--- a/Databasae management system/theory/course material/Lecture 2 ERD (1).pptx
+++ b/Databasae management system/theory/course material/Lecture 2 ERD (1).pptx
@@ -230,7 +230,7 @@
           <a:p>
             <a:fld id="{FC73C013-5223-4213-AAF4-545614E3E8C3}" type="datetimeFigureOut">
               <a:rPr lang="en-US" smtClean="0"/>
-              <a:t>3/16/2022</a:t>
+              <a:t>11/30/2024</a:t>
             </a:fld>
             <a:endParaRPr lang="en-US"/>
           </a:p>
@@ -1353,7 +1353,7 @@
           <a:p>
             <a:fld id="{846CE7D5-CF57-46EF-B807-FDD0502418D4}" type="datetimeFigureOut">
               <a:rPr lang="en-US" smtClean="0"/>
-              <a:t>3/16/2022</a:t>
+              <a:t>11/30/2024</a:t>
             </a:fld>
             <a:endParaRPr lang="en-US"/>
           </a:p>
@@ -2441,7 +2441,7 @@
           <a:p>
             <a:fld id="{846CE7D5-CF57-46EF-B807-FDD0502418D4}" type="datetimeFigureOut">
               <a:rPr lang="en-US" smtClean="0"/>
-              <a:t>3/16/2022</a:t>
+              <a:t>11/30/2024</a:t>
             </a:fld>
             <a:endParaRPr lang="en-US"/>
           </a:p>
@@ -3421,7 +3421,7 @@
           <a:p>
             <a:fld id="{846CE7D5-CF57-46EF-B807-FDD0502418D4}" type="datetimeFigureOut">
               <a:rPr lang="en-US" smtClean="0"/>
-              <a:t>3/16/2022</a:t>
+              <a:t>11/30/2024</a:t>
             </a:fld>
             <a:endParaRPr lang="en-US"/>
           </a:p>
@@ -4555,7 +4555,7 @@
           <a:p>
             <a:fld id="{846CE7D5-CF57-46EF-B807-FDD0502418D4}" type="datetimeFigureOut">
               <a:rPr lang="en-US" smtClean="0"/>
-              <a:t>3/16/2022</a:t>
+              <a:t>11/30/2024</a:t>
             </a:fld>
             <a:endParaRPr lang="en-US"/>
           </a:p>
@@ -5588,7 +5588,7 @@
           <a:p>
             <a:fld id="{846CE7D5-CF57-46EF-B807-FDD0502418D4}" type="datetimeFigureOut">
               <a:rPr lang="en-US" smtClean="0"/>
-              <a:t>3/16/2022</a:t>
+              <a:t>11/30/2024</a:t>
             </a:fld>
             <a:endParaRPr lang="en-US"/>
           </a:p>
@@ -6248,7 +6248,7 @@
           <a:p>
             <a:fld id="{846CE7D5-CF57-46EF-B807-FDD0502418D4}" type="datetimeFigureOut">
               <a:rPr lang="en-US" smtClean="0"/>
-              <a:t>3/16/2022</a:t>
+              <a:t>11/30/2024</a:t>
             </a:fld>
             <a:endParaRPr lang="en-US"/>
           </a:p>
@@ -7109,7 +7109,7 @@
           <a:p>
             <a:fld id="{846CE7D5-CF57-46EF-B807-FDD0502418D4}" type="datetimeFigureOut">
               <a:rPr lang="en-US" smtClean="0"/>
-              <a:t>3/16/2022</a:t>
+              <a:t>11/30/2024</a:t>
             </a:fld>
             <a:endParaRPr lang="en-US"/>
           </a:p>
@@ -7299,7 +7299,7 @@
           <a:p>
             <a:fld id="{846CE7D5-CF57-46EF-B807-FDD0502418D4}" type="datetimeFigureOut">
               <a:rPr lang="en-US" smtClean="0"/>
-              <a:t>3/16/2022</a:t>
+              <a:t>11/30/2024</a:t>
             </a:fld>
             <a:endParaRPr lang="en-US"/>
           </a:p>
@@ -8271,7 +8271,7 @@
           <a:p>
             <a:fld id="{846CE7D5-CF57-46EF-B807-FDD0502418D4}" type="datetimeFigureOut">
               <a:rPr lang="en-US" smtClean="0"/>
-              <a:t>3/16/2022</a:t>
+              <a:t>11/30/2024</a:t>
             </a:fld>
             <a:endParaRPr lang="en-US"/>
           </a:p>
@@ -8482,7 +8482,7 @@
           <a:p>
             <a:fld id="{846CE7D5-CF57-46EF-B807-FDD0502418D4}" type="datetimeFigureOut">
               <a:rPr lang="en-US" smtClean="0"/>
-              <a:t>3/16/2022</a:t>
+              <a:t>11/30/2024</a:t>
             </a:fld>
             <a:endParaRPr lang="en-US"/>
           </a:p>
@@ -9516,7 +9516,7 @@
           <a:p>
             <a:fld id="{846CE7D5-CF57-46EF-B807-FDD0502418D4}" type="datetimeFigureOut">
               <a:rPr lang="en-US" smtClean="0"/>
-              <a:t>3/16/2022</a:t>
+              <a:t>11/30/2024</a:t>
             </a:fld>
             <a:endParaRPr lang="en-US"/>
           </a:p>
@@ -9788,7 +9788,7 @@
           <a:p>
             <a:fld id="{846CE7D5-CF57-46EF-B807-FDD0502418D4}" type="datetimeFigureOut">
               <a:rPr lang="en-US" smtClean="0"/>
-              <a:t>3/16/2022</a:t>
+              <a:t>11/30/2024</a:t>
             </a:fld>
             <a:endParaRPr lang="en-US"/>
           </a:p>
@@ -10198,7 +10198,7 @@
           <a:p>
             <a:fld id="{846CE7D5-CF57-46EF-B807-FDD0502418D4}" type="datetimeFigureOut">
               <a:rPr lang="en-US" smtClean="0"/>
-              <a:t>3/16/2022</a:t>
+              <a:t>11/30/2024</a:t>
             </a:fld>
             <a:endParaRPr lang="en-US"/>
           </a:p>
@@ -10325,7 +10325,7 @@
           <a:p>
             <a:fld id="{846CE7D5-CF57-46EF-B807-FDD0502418D4}" type="datetimeFigureOut">
               <a:rPr lang="en-US" smtClean="0"/>
-              <a:t>3/16/2022</a:t>
+              <a:t>11/30/2024</a:t>
             </a:fld>
             <a:endParaRPr lang="en-US"/>
           </a:p>
@@ -10420,7 +10420,7 @@
           <a:p>
             <a:fld id="{846CE7D5-CF57-46EF-B807-FDD0502418D4}" type="datetimeFigureOut">
               <a:rPr lang="en-US" smtClean="0"/>
-              <a:t>3/16/2022</a:t>
+              <a:t>11/30/2024</a:t>
             </a:fld>
             <a:endParaRPr lang="en-US"/>
           </a:p>
@@ -11501,7 +11501,7 @@
           <a:p>
             <a:fld id="{846CE7D5-CF57-46EF-B807-FDD0502418D4}" type="datetimeFigureOut">
               <a:rPr lang="en-US" smtClean="0"/>
-              <a:t>3/16/2022</a:t>
+              <a:t>11/30/2024</a:t>
             </a:fld>
             <a:endParaRPr lang="en-US"/>
           </a:p>
@@ -12609,7 +12609,7 @@
           <a:p>
             <a:fld id="{846CE7D5-CF57-46EF-B807-FDD0502418D4}" type="datetimeFigureOut">
               <a:rPr lang="en-US" smtClean="0"/>
-              <a:t>3/16/2022</a:t>
+              <a:t>11/30/2024</a:t>
             </a:fld>
             <a:endParaRPr lang="en-US"/>
           </a:p>
@@ -13606,7 +13606,7 @@
           <a:p>
             <a:fld id="{846CE7D5-CF57-46EF-B807-FDD0502418D4}" type="datetimeFigureOut">
               <a:rPr lang="en-US" smtClean="0"/>
-              <a:t>3/16/2022</a:t>
+              <a:t>11/30/2024</a:t>
             </a:fld>
             <a:endParaRPr lang="en-US"/>
           </a:p>
@@ -14236,7 +14236,7 @@
           <p:cNvPr id="3" name="Subtitle 2">
             <a:extLst>
               <a:ext uri="{FF2B5EF4-FFF2-40B4-BE49-F238E27FC236}">
-                <a16:creationId xmlns:a16="http://schemas.microsoft.com/office/drawing/2014/main" xmlns="" id="{EA67BC61-40DD-4075-BB74-91CBFB3CC2E3}"/>
+                <a16:creationId xmlns="" xmlns:a16="http://schemas.microsoft.com/office/drawing/2014/main" id="{EA67BC61-40DD-4075-BB74-91CBFB3CC2E3}"/>
               </a:ext>
             </a:extLst>
           </p:cNvPr>
@@ -14294,7 +14294,7 @@
           <p:cNvPr id="2" name="Title 1">
             <a:extLst>
               <a:ext uri="{FF2B5EF4-FFF2-40B4-BE49-F238E27FC236}">
-                <a16:creationId xmlns:a16="http://schemas.microsoft.com/office/drawing/2014/main" xmlns="" id="{D606F566-8ABC-4B85-97BA-B07F769426F3}"/>
+                <a16:creationId xmlns="" xmlns:a16="http://schemas.microsoft.com/office/drawing/2014/main" id="{D606F566-8ABC-4B85-97BA-B07F769426F3}"/>
               </a:ext>
             </a:extLst>
           </p:cNvPr>
@@ -14329,7 +14329,7 @@
           <p:cNvPr id="3" name="Content Placeholder 2">
             <a:extLst>
               <a:ext uri="{FF2B5EF4-FFF2-40B4-BE49-F238E27FC236}">
-                <a16:creationId xmlns:a16="http://schemas.microsoft.com/office/drawing/2014/main" xmlns="" id="{82773A84-A511-4F7F-BDCB-AB7C658A969F}"/>
+                <a16:creationId xmlns="" xmlns:a16="http://schemas.microsoft.com/office/drawing/2014/main" id="{82773A84-A511-4F7F-BDCB-AB7C658A969F}"/>
               </a:ext>
             </a:extLst>
           </p:cNvPr>
@@ -14383,7 +14383,7 @@
           <p:cNvPr id="4" name="Oval 3">
             <a:extLst>
               <a:ext uri="{FF2B5EF4-FFF2-40B4-BE49-F238E27FC236}">
-                <a16:creationId xmlns:a16="http://schemas.microsoft.com/office/drawing/2014/main" xmlns="" id="{4CA2DF2D-C894-4FC8-968A-2EE2BEC08919}"/>
+                <a16:creationId xmlns="" xmlns:a16="http://schemas.microsoft.com/office/drawing/2014/main" id="{4CA2DF2D-C894-4FC8-968A-2EE2BEC08919}"/>
               </a:ext>
             </a:extLst>
           </p:cNvPr>
@@ -14439,7 +14439,7 @@
           <p:cNvPr id="5" name="Content Placeholder 3">
             <a:extLst>
               <a:ext uri="{FF2B5EF4-FFF2-40B4-BE49-F238E27FC236}">
-                <a16:creationId xmlns:a16="http://schemas.microsoft.com/office/drawing/2014/main" xmlns="" id="{FC92F368-3D8E-49D4-A13F-BDB0B8D3C54B}"/>
+                <a16:creationId xmlns="" xmlns:a16="http://schemas.microsoft.com/office/drawing/2014/main" id="{FC92F368-3D8E-49D4-A13F-BDB0B8D3C54B}"/>
               </a:ext>
             </a:extLst>
           </p:cNvPr>
@@ -14659,7 +14659,7 @@
           <p:cNvPr id="7" name="Straight Connector 6">
             <a:extLst>
               <a:ext uri="{FF2B5EF4-FFF2-40B4-BE49-F238E27FC236}">
-                <a16:creationId xmlns:a16="http://schemas.microsoft.com/office/drawing/2014/main" xmlns="" id="{AA4573B8-2499-4064-8DA0-3EE4E07DB5B8}"/>
+                <a16:creationId xmlns="" xmlns:a16="http://schemas.microsoft.com/office/drawing/2014/main" id="{AA4573B8-2499-4064-8DA0-3EE4E07DB5B8}"/>
               </a:ext>
             </a:extLst>
           </p:cNvPr>
@@ -14697,7 +14697,7 @@
           <p:cNvPr id="8" name="Oval 7">
             <a:extLst>
               <a:ext uri="{FF2B5EF4-FFF2-40B4-BE49-F238E27FC236}">
-                <a16:creationId xmlns:a16="http://schemas.microsoft.com/office/drawing/2014/main" xmlns="" id="{55C2A995-A2A5-4B6D-A32E-73EDA422CF90}"/>
+                <a16:creationId xmlns="" xmlns:a16="http://schemas.microsoft.com/office/drawing/2014/main" id="{55C2A995-A2A5-4B6D-A32E-73EDA422CF90}"/>
               </a:ext>
             </a:extLst>
           </p:cNvPr>
@@ -14753,7 +14753,7 @@
           <p:cNvPr id="9" name="Straight Connector 8">
             <a:extLst>
               <a:ext uri="{FF2B5EF4-FFF2-40B4-BE49-F238E27FC236}">
-                <a16:creationId xmlns:a16="http://schemas.microsoft.com/office/drawing/2014/main" xmlns="" id="{09F2FC23-1B31-4925-9145-34F916558E91}"/>
+                <a16:creationId xmlns="" xmlns:a16="http://schemas.microsoft.com/office/drawing/2014/main" id="{09F2FC23-1B31-4925-9145-34F916558E91}"/>
               </a:ext>
             </a:extLst>
           </p:cNvPr>
@@ -14822,7 +14822,7 @@
           <p:cNvPr id="2" name="Title 1">
             <a:extLst>
               <a:ext uri="{FF2B5EF4-FFF2-40B4-BE49-F238E27FC236}">
-                <a16:creationId xmlns:a16="http://schemas.microsoft.com/office/drawing/2014/main" xmlns="" id="{478E35E9-E849-4434-A63A-C35E227EFA3B}"/>
+                <a16:creationId xmlns="" xmlns:a16="http://schemas.microsoft.com/office/drawing/2014/main" id="{478E35E9-E849-4434-A63A-C35E227EFA3B}"/>
               </a:ext>
             </a:extLst>
           </p:cNvPr>
@@ -14850,7 +14850,7 @@
           <p:cNvPr id="3" name="Content Placeholder 2">
             <a:extLst>
               <a:ext uri="{FF2B5EF4-FFF2-40B4-BE49-F238E27FC236}">
-                <a16:creationId xmlns:a16="http://schemas.microsoft.com/office/drawing/2014/main" xmlns="" id="{AF1CFF28-06C4-48DB-BA6B-5CB248AD7842}"/>
+                <a16:creationId xmlns="" xmlns:a16="http://schemas.microsoft.com/office/drawing/2014/main" id="{AF1CFF28-06C4-48DB-BA6B-5CB248AD7842}"/>
               </a:ext>
             </a:extLst>
           </p:cNvPr>
@@ -14963,7 +14963,7 @@
           <p:cNvPr id="36" name="Oval 35">
             <a:extLst>
               <a:ext uri="{FF2B5EF4-FFF2-40B4-BE49-F238E27FC236}">
-                <a16:creationId xmlns:a16="http://schemas.microsoft.com/office/drawing/2014/main" xmlns="" id="{F9EAD42C-DA97-4E6B-A48C-89494DE994FC}"/>
+                <a16:creationId xmlns="" xmlns:a16="http://schemas.microsoft.com/office/drawing/2014/main" id="{F9EAD42C-DA97-4E6B-A48C-89494DE994FC}"/>
               </a:ext>
             </a:extLst>
           </p:cNvPr>
@@ -15007,7 +15007,7 @@
           <p:cNvPr id="2" name="Title 1">
             <a:extLst>
               <a:ext uri="{FF2B5EF4-FFF2-40B4-BE49-F238E27FC236}">
-                <a16:creationId xmlns:a16="http://schemas.microsoft.com/office/drawing/2014/main" xmlns="" id="{8D85E1C9-75AD-4E75-A603-6E41030E6DAD}"/>
+                <a16:creationId xmlns="" xmlns:a16="http://schemas.microsoft.com/office/drawing/2014/main" id="{8D85E1C9-75AD-4E75-A603-6E41030E6DAD}"/>
               </a:ext>
             </a:extLst>
           </p:cNvPr>
@@ -15038,7 +15038,7 @@
           <p:cNvPr id="18" name="Oval 17">
             <a:extLst>
               <a:ext uri="{FF2B5EF4-FFF2-40B4-BE49-F238E27FC236}">
-                <a16:creationId xmlns:a16="http://schemas.microsoft.com/office/drawing/2014/main" xmlns="" id="{69A0C2D1-B837-4B9A-8E99-AA6B6A23E4F0}"/>
+                <a16:creationId xmlns="" xmlns:a16="http://schemas.microsoft.com/office/drawing/2014/main" id="{69A0C2D1-B837-4B9A-8E99-AA6B6A23E4F0}"/>
               </a:ext>
             </a:extLst>
           </p:cNvPr>
@@ -15088,7 +15088,7 @@
           <p:cNvPr id="20" name="Oval 19">
             <a:extLst>
               <a:ext uri="{FF2B5EF4-FFF2-40B4-BE49-F238E27FC236}">
-                <a16:creationId xmlns:a16="http://schemas.microsoft.com/office/drawing/2014/main" xmlns="" id="{F7AA0807-0E1F-41A0-8B9D-0468397984C7}"/>
+                <a16:creationId xmlns="" xmlns:a16="http://schemas.microsoft.com/office/drawing/2014/main" id="{F7AA0807-0E1F-41A0-8B9D-0468397984C7}"/>
               </a:ext>
             </a:extLst>
           </p:cNvPr>
@@ -15138,7 +15138,7 @@
           <p:cNvPr id="21" name="Straight Arrow Connector 20">
             <a:extLst>
               <a:ext uri="{FF2B5EF4-FFF2-40B4-BE49-F238E27FC236}">
-                <a16:creationId xmlns:a16="http://schemas.microsoft.com/office/drawing/2014/main" xmlns="" id="{540C78D9-B10F-486C-8ED0-B719FF24B8B4}"/>
+                <a16:creationId xmlns="" xmlns:a16="http://schemas.microsoft.com/office/drawing/2014/main" id="{540C78D9-B10F-486C-8ED0-B719FF24B8B4}"/>
               </a:ext>
             </a:extLst>
           </p:cNvPr>
@@ -15174,7 +15174,7 @@
           <p:cNvPr id="22" name="Straight Arrow Connector 21">
             <a:extLst>
               <a:ext uri="{FF2B5EF4-FFF2-40B4-BE49-F238E27FC236}">
-                <a16:creationId xmlns:a16="http://schemas.microsoft.com/office/drawing/2014/main" xmlns="" id="{5A18C7CF-3890-46FD-A8C2-DA025FEC2AD6}"/>
+                <a16:creationId xmlns="" xmlns:a16="http://schemas.microsoft.com/office/drawing/2014/main" id="{5A18C7CF-3890-46FD-A8C2-DA025FEC2AD6}"/>
               </a:ext>
             </a:extLst>
           </p:cNvPr>
@@ -15210,7 +15210,7 @@
           <p:cNvPr id="23" name="Straight Arrow Connector 22">
             <a:extLst>
               <a:ext uri="{FF2B5EF4-FFF2-40B4-BE49-F238E27FC236}">
-                <a16:creationId xmlns:a16="http://schemas.microsoft.com/office/drawing/2014/main" xmlns="" id="{8C2DFDC8-B6CE-4A79-9158-68346E0144C2}"/>
+                <a16:creationId xmlns="" xmlns:a16="http://schemas.microsoft.com/office/drawing/2014/main" id="{8C2DFDC8-B6CE-4A79-9158-68346E0144C2}"/>
               </a:ext>
             </a:extLst>
           </p:cNvPr>
@@ -15248,7 +15248,7 @@
           <p:cNvPr id="24" name="Oval 23">
             <a:extLst>
               <a:ext uri="{FF2B5EF4-FFF2-40B4-BE49-F238E27FC236}">
-                <a16:creationId xmlns:a16="http://schemas.microsoft.com/office/drawing/2014/main" xmlns="" id="{8D670BCF-899C-4556-ADB7-D732BABF7DB8}"/>
+                <a16:creationId xmlns="" xmlns:a16="http://schemas.microsoft.com/office/drawing/2014/main" id="{8D670BCF-899C-4556-ADB7-D732BABF7DB8}"/>
               </a:ext>
             </a:extLst>
           </p:cNvPr>
@@ -15298,7 +15298,7 @@
           <p:cNvPr id="25" name="Straight Arrow Connector 24">
             <a:extLst>
               <a:ext uri="{FF2B5EF4-FFF2-40B4-BE49-F238E27FC236}">
-                <a16:creationId xmlns:a16="http://schemas.microsoft.com/office/drawing/2014/main" xmlns="" id="{EE964CF1-3F30-4962-9D26-CE58797FFD68}"/>
+                <a16:creationId xmlns="" xmlns:a16="http://schemas.microsoft.com/office/drawing/2014/main" id="{EE964CF1-3F30-4962-9D26-CE58797FFD68}"/>
               </a:ext>
             </a:extLst>
           </p:cNvPr>
@@ -15336,7 +15336,7 @@
           <p:cNvPr id="26" name="Oval 25">
             <a:extLst>
               <a:ext uri="{FF2B5EF4-FFF2-40B4-BE49-F238E27FC236}">
-                <a16:creationId xmlns:a16="http://schemas.microsoft.com/office/drawing/2014/main" xmlns="" id="{BED221B5-4C34-4B58-A32B-CABD13197D47}"/>
+                <a16:creationId xmlns="" xmlns:a16="http://schemas.microsoft.com/office/drawing/2014/main" id="{BED221B5-4C34-4B58-A32B-CABD13197D47}"/>
               </a:ext>
             </a:extLst>
           </p:cNvPr>
@@ -15386,7 +15386,7 @@
           <p:cNvPr id="27" name="Straight Arrow Connector 26">
             <a:extLst>
               <a:ext uri="{FF2B5EF4-FFF2-40B4-BE49-F238E27FC236}">
-                <a16:creationId xmlns:a16="http://schemas.microsoft.com/office/drawing/2014/main" xmlns="" id="{FCFA2C61-40AD-430D-9F3B-30D6C6A99819}"/>
+                <a16:creationId xmlns="" xmlns:a16="http://schemas.microsoft.com/office/drawing/2014/main" id="{FCFA2C61-40AD-430D-9F3B-30D6C6A99819}"/>
               </a:ext>
             </a:extLst>
           </p:cNvPr>
@@ -15424,7 +15424,7 @@
           <p:cNvPr id="28" name="Oval 27">
             <a:extLst>
               <a:ext uri="{FF2B5EF4-FFF2-40B4-BE49-F238E27FC236}">
-                <a16:creationId xmlns:a16="http://schemas.microsoft.com/office/drawing/2014/main" xmlns="" id="{2B860E70-361F-4595-9DE4-AAA04C2CE44A}"/>
+                <a16:creationId xmlns="" xmlns:a16="http://schemas.microsoft.com/office/drawing/2014/main" id="{2B860E70-361F-4595-9DE4-AAA04C2CE44A}"/>
               </a:ext>
             </a:extLst>
           </p:cNvPr>
@@ -15476,7 +15476,7 @@
           <p:cNvPr id="29" name="Straight Arrow Connector 28">
             <a:extLst>
               <a:ext uri="{FF2B5EF4-FFF2-40B4-BE49-F238E27FC236}">
-                <a16:creationId xmlns:a16="http://schemas.microsoft.com/office/drawing/2014/main" xmlns="" id="{C50A23B1-7133-4B00-8B1E-7AF0A3847402}"/>
+                <a16:creationId xmlns="" xmlns:a16="http://schemas.microsoft.com/office/drawing/2014/main" id="{C50A23B1-7133-4B00-8B1E-7AF0A3847402}"/>
               </a:ext>
             </a:extLst>
           </p:cNvPr>
@@ -15514,7 +15514,7 @@
           <p:cNvPr id="30" name="Oval 29">
             <a:extLst>
               <a:ext uri="{FF2B5EF4-FFF2-40B4-BE49-F238E27FC236}">
-                <a16:creationId xmlns:a16="http://schemas.microsoft.com/office/drawing/2014/main" xmlns="" id="{043C6BFC-CA31-4F13-A71E-475C4D03AB30}"/>
+                <a16:creationId xmlns="" xmlns:a16="http://schemas.microsoft.com/office/drawing/2014/main" id="{043C6BFC-CA31-4F13-A71E-475C4D03AB30}"/>
               </a:ext>
             </a:extLst>
           </p:cNvPr>
@@ -15564,7 +15564,7 @@
           <p:cNvPr id="31" name="Straight Arrow Connector 30">
             <a:extLst>
               <a:ext uri="{FF2B5EF4-FFF2-40B4-BE49-F238E27FC236}">
-                <a16:creationId xmlns:a16="http://schemas.microsoft.com/office/drawing/2014/main" xmlns="" id="{73AD83DE-F840-4B3D-8E0B-646445F83077}"/>
+                <a16:creationId xmlns="" xmlns:a16="http://schemas.microsoft.com/office/drawing/2014/main" id="{73AD83DE-F840-4B3D-8E0B-646445F83077}"/>
               </a:ext>
             </a:extLst>
           </p:cNvPr>
@@ -15602,7 +15602,7 @@
           <p:cNvPr id="32" name="Picture 32" descr="A close up of a logo&#10;&#10;Description generated with high confidence">
             <a:extLst>
               <a:ext uri="{FF2B5EF4-FFF2-40B4-BE49-F238E27FC236}">
-                <a16:creationId xmlns:a16="http://schemas.microsoft.com/office/drawing/2014/main" xmlns="" id="{9A94D366-37CE-4900-BD44-6B68743E8584}"/>
+                <a16:creationId xmlns="" xmlns:a16="http://schemas.microsoft.com/office/drawing/2014/main" id="{9A94D366-37CE-4900-BD44-6B68743E8584}"/>
               </a:ext>
             </a:extLst>
           </p:cNvPr>
@@ -15632,7 +15632,7 @@
           <p:cNvPr id="33" name="Straight Arrow Connector 32">
             <a:extLst>
               <a:ext uri="{FF2B5EF4-FFF2-40B4-BE49-F238E27FC236}">
-                <a16:creationId xmlns:a16="http://schemas.microsoft.com/office/drawing/2014/main" xmlns="" id="{A7BA680E-8C94-4A3E-8F02-DC315ED38656}"/>
+                <a16:creationId xmlns="" xmlns:a16="http://schemas.microsoft.com/office/drawing/2014/main" id="{A7BA680E-8C94-4A3E-8F02-DC315ED38656}"/>
               </a:ext>
             </a:extLst>
           </p:cNvPr>
@@ -15670,7 +15670,7 @@
           <p:cNvPr id="6" name="TextBox 5">
             <a:extLst>
               <a:ext uri="{FF2B5EF4-FFF2-40B4-BE49-F238E27FC236}">
-                <a16:creationId xmlns:a16="http://schemas.microsoft.com/office/drawing/2014/main" xmlns="" id="{A60CDFC7-4931-49B7-B457-68102CAA7877}"/>
+                <a16:creationId xmlns="" xmlns:a16="http://schemas.microsoft.com/office/drawing/2014/main" id="{A60CDFC7-4931-49B7-B457-68102CAA7877}"/>
               </a:ext>
             </a:extLst>
           </p:cNvPr>
@@ -15709,7 +15709,7 @@
           <p:cNvPr id="7" name="Rectangle 6">
             <a:extLst>
               <a:ext uri="{FF2B5EF4-FFF2-40B4-BE49-F238E27FC236}">
-                <a16:creationId xmlns:a16="http://schemas.microsoft.com/office/drawing/2014/main" xmlns="" id="{A99CFA39-0DB0-456B-AA35-DE74A73DBD8B}"/>
+                <a16:creationId xmlns="" xmlns:a16="http://schemas.microsoft.com/office/drawing/2014/main" id="{A99CFA39-0DB0-456B-AA35-DE74A73DBD8B}"/>
               </a:ext>
             </a:extLst>
           </p:cNvPr>
@@ -15758,7 +15758,7 @@
           <p:cNvPr id="34" name="Oval 33">
             <a:extLst>
               <a:ext uri="{FF2B5EF4-FFF2-40B4-BE49-F238E27FC236}">
-                <a16:creationId xmlns:a16="http://schemas.microsoft.com/office/drawing/2014/main" xmlns="" id="{CB7A135C-B807-4CFD-9877-052E65938A14}"/>
+                <a16:creationId xmlns="" xmlns:a16="http://schemas.microsoft.com/office/drawing/2014/main" id="{CB7A135C-B807-4CFD-9877-052E65938A14}"/>
               </a:ext>
             </a:extLst>
           </p:cNvPr>
@@ -15808,7 +15808,7 @@
           <p:cNvPr id="35" name="Straight Arrow Connector 34">
             <a:extLst>
               <a:ext uri="{FF2B5EF4-FFF2-40B4-BE49-F238E27FC236}">
-                <a16:creationId xmlns:a16="http://schemas.microsoft.com/office/drawing/2014/main" xmlns="" id="{F9CF60FE-0876-4227-92C9-BA603E58B72E}"/>
+                <a16:creationId xmlns="" xmlns:a16="http://schemas.microsoft.com/office/drawing/2014/main" id="{F9CF60FE-0876-4227-92C9-BA603E58B72E}"/>
               </a:ext>
             </a:extLst>
           </p:cNvPr>
@@ -15876,7 +15876,7 @@
           <p:cNvPr id="2" name="Title 1">
             <a:extLst>
               <a:ext uri="{FF2B5EF4-FFF2-40B4-BE49-F238E27FC236}">
-                <a16:creationId xmlns:a16="http://schemas.microsoft.com/office/drawing/2014/main" xmlns="" id="{E2AAB903-FB32-4F7E-BC96-917614C7C99D}"/>
+                <a16:creationId xmlns="" xmlns:a16="http://schemas.microsoft.com/office/drawing/2014/main" id="{E2AAB903-FB32-4F7E-BC96-917614C7C99D}"/>
               </a:ext>
             </a:extLst>
           </p:cNvPr>
@@ -15904,7 +15904,7 @@
           <p:cNvPr id="4" name="Picture 1028" descr="fig03_07">
             <a:extLst>
               <a:ext uri="{FF2B5EF4-FFF2-40B4-BE49-F238E27FC236}">
-                <a16:creationId xmlns:a16="http://schemas.microsoft.com/office/drawing/2014/main" xmlns="" id="{8FEF738D-C658-4E11-8B08-4214D4AC6D17}"/>
+                <a16:creationId xmlns="" xmlns:a16="http://schemas.microsoft.com/office/drawing/2014/main" id="{8FEF738D-C658-4E11-8B08-4214D4AC6D17}"/>
               </a:ext>
             </a:extLst>
           </p:cNvPr>
@@ -15994,7 +15994,7 @@
           <p:cNvPr id="2" name="Title 1">
             <a:extLst>
               <a:ext uri="{FF2B5EF4-FFF2-40B4-BE49-F238E27FC236}">
-                <a16:creationId xmlns:a16="http://schemas.microsoft.com/office/drawing/2014/main" xmlns="" id="{BB1CCADA-BD2B-4C5D-A4BA-5555BD46EA80}"/>
+                <a16:creationId xmlns="" xmlns:a16="http://schemas.microsoft.com/office/drawing/2014/main" id="{BB1CCADA-BD2B-4C5D-A4BA-5555BD46EA80}"/>
               </a:ext>
             </a:extLst>
           </p:cNvPr>
@@ -16036,7 +16036,7 @@
           <p:cNvPr id="3" name="Content Placeholder 2">
             <a:extLst>
               <a:ext uri="{FF2B5EF4-FFF2-40B4-BE49-F238E27FC236}">
-                <a16:creationId xmlns:a16="http://schemas.microsoft.com/office/drawing/2014/main" xmlns="" id="{6EEC8BF9-7880-4359-B855-A39AE55128D5}"/>
+                <a16:creationId xmlns="" xmlns:a16="http://schemas.microsoft.com/office/drawing/2014/main" id="{6EEC8BF9-7880-4359-B855-A39AE55128D5}"/>
               </a:ext>
             </a:extLst>
           </p:cNvPr>
@@ -16119,7 +16119,7 @@
           <p:cNvPr id="4" name="Rectangle 3">
             <a:extLst>
               <a:ext uri="{FF2B5EF4-FFF2-40B4-BE49-F238E27FC236}">
-                <a16:creationId xmlns:a16="http://schemas.microsoft.com/office/drawing/2014/main" xmlns="" id="{04481DBB-0544-4940-88AE-1F537399CCF5}"/>
+                <a16:creationId xmlns="" xmlns:a16="http://schemas.microsoft.com/office/drawing/2014/main" id="{04481DBB-0544-4940-88AE-1F537399CCF5}"/>
               </a:ext>
             </a:extLst>
           </p:cNvPr>
@@ -16169,7 +16169,7 @@
           <p:cNvPr id="6" name="Straight Arrow Connector 5">
             <a:extLst>
               <a:ext uri="{FF2B5EF4-FFF2-40B4-BE49-F238E27FC236}">
-                <a16:creationId xmlns:a16="http://schemas.microsoft.com/office/drawing/2014/main" xmlns="" id="{563D8BFA-57BE-4C73-98A0-5E3A1A4B22A7}"/>
+                <a16:creationId xmlns="" xmlns:a16="http://schemas.microsoft.com/office/drawing/2014/main" id="{563D8BFA-57BE-4C73-98A0-5E3A1A4B22A7}"/>
               </a:ext>
             </a:extLst>
           </p:cNvPr>
@@ -16207,7 +16207,7 @@
           <p:cNvPr id="7" name="Rectangle 6">
             <a:extLst>
               <a:ext uri="{FF2B5EF4-FFF2-40B4-BE49-F238E27FC236}">
-                <a16:creationId xmlns:a16="http://schemas.microsoft.com/office/drawing/2014/main" xmlns="" id="{E271BD90-94F2-4A52-BFC9-9E4E343EA348}"/>
+                <a16:creationId xmlns="" xmlns:a16="http://schemas.microsoft.com/office/drawing/2014/main" id="{E271BD90-94F2-4A52-BFC9-9E4E343EA348}"/>
               </a:ext>
             </a:extLst>
           </p:cNvPr>
@@ -16257,7 +16257,7 @@
           <p:cNvPr id="8" name="Diamond 7">
             <a:extLst>
               <a:ext uri="{FF2B5EF4-FFF2-40B4-BE49-F238E27FC236}">
-                <a16:creationId xmlns:a16="http://schemas.microsoft.com/office/drawing/2014/main" xmlns="" id="{4D841ABE-B231-44E5-B043-420F31A76868}"/>
+                <a16:creationId xmlns="" xmlns:a16="http://schemas.microsoft.com/office/drawing/2014/main" id="{4D841ABE-B231-44E5-B043-420F31A76868}"/>
               </a:ext>
             </a:extLst>
           </p:cNvPr>
@@ -16310,7 +16310,7 @@
           <p:cNvPr id="9" name="Straight Arrow Connector 8">
             <a:extLst>
               <a:ext uri="{FF2B5EF4-FFF2-40B4-BE49-F238E27FC236}">
-                <a16:creationId xmlns:a16="http://schemas.microsoft.com/office/drawing/2014/main" xmlns="" id="{E1FFFEAF-0B88-4D92-8907-9AB98DB4C717}"/>
+                <a16:creationId xmlns="" xmlns:a16="http://schemas.microsoft.com/office/drawing/2014/main" id="{E1FFFEAF-0B88-4D92-8907-9AB98DB4C717}"/>
               </a:ext>
             </a:extLst>
           </p:cNvPr>
@@ -16346,7 +16346,7 @@
           <p:cNvPr id="10" name="Rectangle 9">
             <a:extLst>
               <a:ext uri="{FF2B5EF4-FFF2-40B4-BE49-F238E27FC236}">
-                <a16:creationId xmlns:a16="http://schemas.microsoft.com/office/drawing/2014/main" xmlns="" id="{33A5E99C-2678-403E-B70F-DA9D4CC1D7C4}"/>
+                <a16:creationId xmlns="" xmlns:a16="http://schemas.microsoft.com/office/drawing/2014/main" id="{33A5E99C-2678-403E-B70F-DA9D4CC1D7C4}"/>
               </a:ext>
             </a:extLst>
           </p:cNvPr>
@@ -16396,7 +16396,7 @@
           <p:cNvPr id="5" name="Diamond 4">
             <a:extLst>
               <a:ext uri="{FF2B5EF4-FFF2-40B4-BE49-F238E27FC236}">
-                <a16:creationId xmlns:a16="http://schemas.microsoft.com/office/drawing/2014/main" xmlns="" id="{7D391CBB-DEA4-4503-AD01-63CED3474403}"/>
+                <a16:creationId xmlns="" xmlns:a16="http://schemas.microsoft.com/office/drawing/2014/main" id="{7D391CBB-DEA4-4503-AD01-63CED3474403}"/>
               </a:ext>
             </a:extLst>
           </p:cNvPr>
@@ -16446,7 +16446,7 @@
           <p:cNvPr id="11" name="Straight Arrow Connector 10">
             <a:extLst>
               <a:ext uri="{FF2B5EF4-FFF2-40B4-BE49-F238E27FC236}">
-                <a16:creationId xmlns:a16="http://schemas.microsoft.com/office/drawing/2014/main" xmlns="" id="{C4849C77-9879-4650-B491-C9CACA4C2316}"/>
+                <a16:creationId xmlns="" xmlns:a16="http://schemas.microsoft.com/office/drawing/2014/main" id="{C4849C77-9879-4650-B491-C9CACA4C2316}"/>
               </a:ext>
             </a:extLst>
           </p:cNvPr>
@@ -16482,7 +16482,7 @@
           <p:cNvPr id="12" name="Straight Arrow Connector 11">
             <a:extLst>
               <a:ext uri="{FF2B5EF4-FFF2-40B4-BE49-F238E27FC236}">
-                <a16:creationId xmlns:a16="http://schemas.microsoft.com/office/drawing/2014/main" xmlns="" id="{8146375A-A1CD-4EDE-AA79-CB1A293370A4}"/>
+                <a16:creationId xmlns="" xmlns:a16="http://schemas.microsoft.com/office/drawing/2014/main" id="{8146375A-A1CD-4EDE-AA79-CB1A293370A4}"/>
               </a:ext>
             </a:extLst>
           </p:cNvPr>
@@ -16550,7 +16550,7 @@
           <p:cNvPr id="2" name="Title 1">
             <a:extLst>
               <a:ext uri="{FF2B5EF4-FFF2-40B4-BE49-F238E27FC236}">
-                <a16:creationId xmlns:a16="http://schemas.microsoft.com/office/drawing/2014/main" xmlns="" id="{BB1CCADA-BD2B-4C5D-A4BA-5555BD46EA80}"/>
+                <a16:creationId xmlns="" xmlns:a16="http://schemas.microsoft.com/office/drawing/2014/main" id="{BB1CCADA-BD2B-4C5D-A4BA-5555BD46EA80}"/>
               </a:ext>
             </a:extLst>
           </p:cNvPr>
@@ -16586,7 +16586,7 @@
           <p:cNvPr id="3" name="Content Placeholder 2">
             <a:extLst>
               <a:ext uri="{FF2B5EF4-FFF2-40B4-BE49-F238E27FC236}">
-                <a16:creationId xmlns:a16="http://schemas.microsoft.com/office/drawing/2014/main" xmlns="" id="{6EEC8BF9-7880-4359-B855-A39AE55128D5}"/>
+                <a16:creationId xmlns="" xmlns:a16="http://schemas.microsoft.com/office/drawing/2014/main" id="{6EEC8BF9-7880-4359-B855-A39AE55128D5}"/>
               </a:ext>
             </a:extLst>
           </p:cNvPr>
@@ -16693,7 +16693,7 @@
           <p:cNvPr id="4" name="Rectangle 3">
             <a:extLst>
               <a:ext uri="{FF2B5EF4-FFF2-40B4-BE49-F238E27FC236}">
-                <a16:creationId xmlns:a16="http://schemas.microsoft.com/office/drawing/2014/main" xmlns="" id="{04481DBB-0544-4940-88AE-1F537399CCF5}"/>
+                <a16:creationId xmlns="" xmlns:a16="http://schemas.microsoft.com/office/drawing/2014/main" id="{04481DBB-0544-4940-88AE-1F537399CCF5}"/>
               </a:ext>
             </a:extLst>
           </p:cNvPr>
@@ -16743,7 +16743,7 @@
           <p:cNvPr id="6" name="Straight Arrow Connector 5">
             <a:extLst>
               <a:ext uri="{FF2B5EF4-FFF2-40B4-BE49-F238E27FC236}">
-                <a16:creationId xmlns:a16="http://schemas.microsoft.com/office/drawing/2014/main" xmlns="" id="{563D8BFA-57BE-4C73-98A0-5E3A1A4B22A7}"/>
+                <a16:creationId xmlns="" xmlns:a16="http://schemas.microsoft.com/office/drawing/2014/main" id="{563D8BFA-57BE-4C73-98A0-5E3A1A4B22A7}"/>
               </a:ext>
             </a:extLst>
           </p:cNvPr>
@@ -16781,7 +16781,7 @@
           <p:cNvPr id="7" name="Rectangle 6">
             <a:extLst>
               <a:ext uri="{FF2B5EF4-FFF2-40B4-BE49-F238E27FC236}">
-                <a16:creationId xmlns:a16="http://schemas.microsoft.com/office/drawing/2014/main" xmlns="" id="{E271BD90-94F2-4A52-BFC9-9E4E343EA348}"/>
+                <a16:creationId xmlns="" xmlns:a16="http://schemas.microsoft.com/office/drawing/2014/main" id="{E271BD90-94F2-4A52-BFC9-9E4E343EA348}"/>
               </a:ext>
             </a:extLst>
           </p:cNvPr>
@@ -16831,7 +16831,7 @@
           <p:cNvPr id="8" name="Diamond 7">
             <a:extLst>
               <a:ext uri="{FF2B5EF4-FFF2-40B4-BE49-F238E27FC236}">
-                <a16:creationId xmlns:a16="http://schemas.microsoft.com/office/drawing/2014/main" xmlns="" id="{4D841ABE-B231-44E5-B043-420F31A76868}"/>
+                <a16:creationId xmlns="" xmlns:a16="http://schemas.microsoft.com/office/drawing/2014/main" id="{4D841ABE-B231-44E5-B043-420F31A76868}"/>
               </a:ext>
             </a:extLst>
           </p:cNvPr>
@@ -16884,7 +16884,7 @@
           <p:cNvPr id="9" name="Straight Arrow Connector 8">
             <a:extLst>
               <a:ext uri="{FF2B5EF4-FFF2-40B4-BE49-F238E27FC236}">
-                <a16:creationId xmlns:a16="http://schemas.microsoft.com/office/drawing/2014/main" xmlns="" id="{E1FFFEAF-0B88-4D92-8907-9AB98DB4C717}"/>
+                <a16:creationId xmlns="" xmlns:a16="http://schemas.microsoft.com/office/drawing/2014/main" id="{E1FFFEAF-0B88-4D92-8907-9AB98DB4C717}"/>
               </a:ext>
             </a:extLst>
           </p:cNvPr>
@@ -16920,7 +16920,7 @@
           <p:cNvPr id="10" name="Rectangle 9">
             <a:extLst>
               <a:ext uri="{FF2B5EF4-FFF2-40B4-BE49-F238E27FC236}">
-                <a16:creationId xmlns:a16="http://schemas.microsoft.com/office/drawing/2014/main" xmlns="" id="{33A5E99C-2678-403E-B70F-DA9D4CC1D7C4}"/>
+                <a16:creationId xmlns="" xmlns:a16="http://schemas.microsoft.com/office/drawing/2014/main" id="{33A5E99C-2678-403E-B70F-DA9D4CC1D7C4}"/>
               </a:ext>
             </a:extLst>
           </p:cNvPr>
@@ -16970,7 +16970,7 @@
           <p:cNvPr id="5" name="Diamond 4">
             <a:extLst>
               <a:ext uri="{FF2B5EF4-FFF2-40B4-BE49-F238E27FC236}">
-                <a16:creationId xmlns:a16="http://schemas.microsoft.com/office/drawing/2014/main" xmlns="" id="{7D391CBB-DEA4-4503-AD01-63CED3474403}"/>
+                <a16:creationId xmlns="" xmlns:a16="http://schemas.microsoft.com/office/drawing/2014/main" id="{7D391CBB-DEA4-4503-AD01-63CED3474403}"/>
               </a:ext>
             </a:extLst>
           </p:cNvPr>
@@ -17020,7 +17020,7 @@
           <p:cNvPr id="11" name="Straight Arrow Connector 10">
             <a:extLst>
               <a:ext uri="{FF2B5EF4-FFF2-40B4-BE49-F238E27FC236}">
-                <a16:creationId xmlns:a16="http://schemas.microsoft.com/office/drawing/2014/main" xmlns="" id="{C4849C77-9879-4650-B491-C9CACA4C2316}"/>
+                <a16:creationId xmlns="" xmlns:a16="http://schemas.microsoft.com/office/drawing/2014/main" id="{C4849C77-9879-4650-B491-C9CACA4C2316}"/>
               </a:ext>
             </a:extLst>
           </p:cNvPr>
@@ -17058,7 +17058,7 @@
           <p:cNvPr id="12" name="Straight Arrow Connector 11">
             <a:extLst>
               <a:ext uri="{FF2B5EF4-FFF2-40B4-BE49-F238E27FC236}">
-                <a16:creationId xmlns:a16="http://schemas.microsoft.com/office/drawing/2014/main" xmlns="" id="{8146375A-A1CD-4EDE-AA79-CB1A293370A4}"/>
+                <a16:creationId xmlns="" xmlns:a16="http://schemas.microsoft.com/office/drawing/2014/main" id="{8146375A-A1CD-4EDE-AA79-CB1A293370A4}"/>
               </a:ext>
             </a:extLst>
           </p:cNvPr>
@@ -17127,7 +17127,7 @@
           <p:cNvPr id="2" name="Title 1">
             <a:extLst>
               <a:ext uri="{FF2B5EF4-FFF2-40B4-BE49-F238E27FC236}">
-                <a16:creationId xmlns:a16="http://schemas.microsoft.com/office/drawing/2014/main" xmlns="" id="{D21628DB-20BB-4391-9CD6-962F7EACAAD0}"/>
+                <a16:creationId xmlns="" xmlns:a16="http://schemas.microsoft.com/office/drawing/2014/main" id="{D21628DB-20BB-4391-9CD6-962F7EACAAD0}"/>
               </a:ext>
             </a:extLst>
           </p:cNvPr>
@@ -17214,7 +17214,7 @@
           <p:cNvPr id="4" name="Text Placeholder 3">
             <a:extLst>
               <a:ext uri="{FF2B5EF4-FFF2-40B4-BE49-F238E27FC236}">
-                <a16:creationId xmlns:a16="http://schemas.microsoft.com/office/drawing/2014/main" xmlns="" id="{9FC0BC93-439B-4AB2-8ACA-11BDAFAF5E1F}"/>
+                <a16:creationId xmlns="" xmlns:a16="http://schemas.microsoft.com/office/drawing/2014/main" id="{9FC0BC93-439B-4AB2-8ACA-11BDAFAF5E1F}"/>
               </a:ext>
             </a:extLst>
           </p:cNvPr>
@@ -17245,7 +17245,7 @@
           <p:cNvPr id="3" name="Content Placeholder 2">
             <a:extLst>
               <a:ext uri="{FF2B5EF4-FFF2-40B4-BE49-F238E27FC236}">
-                <a16:creationId xmlns:a16="http://schemas.microsoft.com/office/drawing/2014/main" xmlns="" id="{EE89D61C-7E76-434F-85B9-0B87E066CF80}"/>
+                <a16:creationId xmlns="" xmlns:a16="http://schemas.microsoft.com/office/drawing/2014/main" id="{EE89D61C-7E76-434F-85B9-0B87E066CF80}"/>
               </a:ext>
             </a:extLst>
           </p:cNvPr>
@@ -17297,7 +17297,7 @@
           <p:cNvPr id="5" name="Text Placeholder 4">
             <a:extLst>
               <a:ext uri="{FF2B5EF4-FFF2-40B4-BE49-F238E27FC236}">
-                <a16:creationId xmlns:a16="http://schemas.microsoft.com/office/drawing/2014/main" xmlns="" id="{479E2619-8B24-4991-B7EF-01D8BAC507D9}"/>
+                <a16:creationId xmlns="" xmlns:a16="http://schemas.microsoft.com/office/drawing/2014/main" id="{479E2619-8B24-4991-B7EF-01D8BAC507D9}"/>
               </a:ext>
             </a:extLst>
           </p:cNvPr>
@@ -17328,7 +17328,7 @@
           <p:cNvPr id="6" name="Content Placeholder 5">
             <a:extLst>
               <a:ext uri="{FF2B5EF4-FFF2-40B4-BE49-F238E27FC236}">
-                <a16:creationId xmlns:a16="http://schemas.microsoft.com/office/drawing/2014/main" xmlns="" id="{13E2BBE1-D243-4943-B58B-D1BD5543000D}"/>
+                <a16:creationId xmlns="" xmlns:a16="http://schemas.microsoft.com/office/drawing/2014/main" id="{13E2BBE1-D243-4943-B58B-D1BD5543000D}"/>
               </a:ext>
             </a:extLst>
           </p:cNvPr>
@@ -17362,7 +17362,7 @@
           <p:cNvPr id="8" name="Straight Connector 7">
             <a:extLst>
               <a:ext uri="{FF2B5EF4-FFF2-40B4-BE49-F238E27FC236}">
-                <a16:creationId xmlns:a16="http://schemas.microsoft.com/office/drawing/2014/main" xmlns="" id="{DEF39149-6BD8-4BDE-84ED-D69A29956B8F}"/>
+                <a16:creationId xmlns="" xmlns:a16="http://schemas.microsoft.com/office/drawing/2014/main" id="{DEF39149-6BD8-4BDE-84ED-D69A29956B8F}"/>
               </a:ext>
             </a:extLst>
           </p:cNvPr>
@@ -17398,7 +17398,7 @@
           <p:cNvPr id="9" name="Straight Connector 8">
             <a:extLst>
               <a:ext uri="{FF2B5EF4-FFF2-40B4-BE49-F238E27FC236}">
-                <a16:creationId xmlns:a16="http://schemas.microsoft.com/office/drawing/2014/main" xmlns="" id="{40E7A261-BC7F-4DC5-8CC0-85999CA8BF4B}"/>
+                <a16:creationId xmlns="" xmlns:a16="http://schemas.microsoft.com/office/drawing/2014/main" id="{40E7A261-BC7F-4DC5-8CC0-85999CA8BF4B}"/>
               </a:ext>
             </a:extLst>
           </p:cNvPr>
@@ -17434,7 +17434,7 @@
           <p:cNvPr id="10" name="Straight Connector 9">
             <a:extLst>
               <a:ext uri="{FF2B5EF4-FFF2-40B4-BE49-F238E27FC236}">
-                <a16:creationId xmlns:a16="http://schemas.microsoft.com/office/drawing/2014/main" xmlns="" id="{05590125-87C6-4B00-89C5-A3B999CF17FF}"/>
+                <a16:creationId xmlns="" xmlns:a16="http://schemas.microsoft.com/office/drawing/2014/main" id="{05590125-87C6-4B00-89C5-A3B999CF17FF}"/>
               </a:ext>
             </a:extLst>
           </p:cNvPr>
@@ -17500,7 +17500,7 @@
           <p:cNvPr id="2" name="Title 1">
             <a:extLst>
               <a:ext uri="{FF2B5EF4-FFF2-40B4-BE49-F238E27FC236}">
-                <a16:creationId xmlns:a16="http://schemas.microsoft.com/office/drawing/2014/main" xmlns="" id="{82DF879C-6FF8-4DB6-9643-73E27A39B03B}"/>
+                <a16:creationId xmlns="" xmlns:a16="http://schemas.microsoft.com/office/drawing/2014/main" id="{82DF879C-6FF8-4DB6-9643-73E27A39B03B}"/>
               </a:ext>
             </a:extLst>
           </p:cNvPr>
@@ -17531,7 +17531,7 @@
           <p:cNvPr id="3" name="Content Placeholder 2">
             <a:extLst>
               <a:ext uri="{FF2B5EF4-FFF2-40B4-BE49-F238E27FC236}">
-                <a16:creationId xmlns:a16="http://schemas.microsoft.com/office/drawing/2014/main" xmlns="" id="{344ABC9E-551C-4D50-9BD1-0EDE0DE288A8}"/>
+                <a16:creationId xmlns="" xmlns:a16="http://schemas.microsoft.com/office/drawing/2014/main" id="{344ABC9E-551C-4D50-9BD1-0EDE0DE288A8}"/>
               </a:ext>
             </a:extLst>
           </p:cNvPr>
@@ -17611,7 +17611,7 @@
           <p:cNvPr id="5" name="Rectangle 4">
             <a:extLst>
               <a:ext uri="{FF2B5EF4-FFF2-40B4-BE49-F238E27FC236}">
-                <a16:creationId xmlns:a16="http://schemas.microsoft.com/office/drawing/2014/main" xmlns="" id="{D81F5FA0-4A49-4AC6-B3BB-983EC86C17C5}"/>
+                <a16:creationId xmlns="" xmlns:a16="http://schemas.microsoft.com/office/drawing/2014/main" id="{D81F5FA0-4A49-4AC6-B3BB-983EC86C17C5}"/>
               </a:ext>
             </a:extLst>
           </p:cNvPr>
@@ -17661,7 +17661,7 @@
           <p:cNvPr id="7" name="Straight Arrow Connector 6">
             <a:extLst>
               <a:ext uri="{FF2B5EF4-FFF2-40B4-BE49-F238E27FC236}">
-                <a16:creationId xmlns:a16="http://schemas.microsoft.com/office/drawing/2014/main" xmlns="" id="{DF1093D6-05B3-4F30-88B8-1721937890D7}"/>
+                <a16:creationId xmlns="" xmlns:a16="http://schemas.microsoft.com/office/drawing/2014/main" id="{DF1093D6-05B3-4F30-88B8-1721937890D7}"/>
               </a:ext>
             </a:extLst>
           </p:cNvPr>
@@ -17699,7 +17699,7 @@
           <p:cNvPr id="9" name="Rectangle 8">
             <a:extLst>
               <a:ext uri="{FF2B5EF4-FFF2-40B4-BE49-F238E27FC236}">
-                <a16:creationId xmlns:a16="http://schemas.microsoft.com/office/drawing/2014/main" xmlns="" id="{644FB2F0-8B17-4F44-A1C6-E29DB39902F3}"/>
+                <a16:creationId xmlns="" xmlns:a16="http://schemas.microsoft.com/office/drawing/2014/main" id="{644FB2F0-8B17-4F44-A1C6-E29DB39902F3}"/>
               </a:ext>
             </a:extLst>
           </p:cNvPr>
@@ -17749,7 +17749,7 @@
           <p:cNvPr id="11" name="Diamond 10">
             <a:extLst>
               <a:ext uri="{FF2B5EF4-FFF2-40B4-BE49-F238E27FC236}">
-                <a16:creationId xmlns:a16="http://schemas.microsoft.com/office/drawing/2014/main" xmlns="" id="{B95337CB-3A58-470D-A7AD-D00AE3D23483}"/>
+                <a16:creationId xmlns="" xmlns:a16="http://schemas.microsoft.com/office/drawing/2014/main" id="{B95337CB-3A58-470D-A7AD-D00AE3D23483}"/>
               </a:ext>
             </a:extLst>
           </p:cNvPr>
@@ -17803,7 +17803,7 @@
           <p:cNvPr id="13" name="Straight Arrow Connector 12">
             <a:extLst>
               <a:ext uri="{FF2B5EF4-FFF2-40B4-BE49-F238E27FC236}">
-                <a16:creationId xmlns:a16="http://schemas.microsoft.com/office/drawing/2014/main" xmlns="" id="{175430B9-2A05-4DA3-B83C-29F82BECFF17}"/>
+                <a16:creationId xmlns="" xmlns:a16="http://schemas.microsoft.com/office/drawing/2014/main" id="{175430B9-2A05-4DA3-B83C-29F82BECFF17}"/>
               </a:ext>
             </a:extLst>
           </p:cNvPr>
@@ -17839,7 +17839,7 @@
           <p:cNvPr id="15" name="Rectangle 14">
             <a:extLst>
               <a:ext uri="{FF2B5EF4-FFF2-40B4-BE49-F238E27FC236}">
-                <a16:creationId xmlns:a16="http://schemas.microsoft.com/office/drawing/2014/main" xmlns="" id="{72CD61B8-ADD3-4926-BABD-F8D8343F8A25}"/>
+                <a16:creationId xmlns="" xmlns:a16="http://schemas.microsoft.com/office/drawing/2014/main" id="{72CD61B8-ADD3-4926-BABD-F8D8343F8A25}"/>
               </a:ext>
             </a:extLst>
           </p:cNvPr>
@@ -17889,7 +17889,7 @@
           <p:cNvPr id="17" name="Straight Arrow Connector 16">
             <a:extLst>
               <a:ext uri="{FF2B5EF4-FFF2-40B4-BE49-F238E27FC236}">
-                <a16:creationId xmlns:a16="http://schemas.microsoft.com/office/drawing/2014/main" xmlns="" id="{8EB18534-4DE5-43A3-B4CC-29FA5288B553}"/>
+                <a16:creationId xmlns="" xmlns:a16="http://schemas.microsoft.com/office/drawing/2014/main" id="{8EB18534-4DE5-43A3-B4CC-29FA5288B553}"/>
               </a:ext>
             </a:extLst>
           </p:cNvPr>
@@ -17927,7 +17927,7 @@
           <p:cNvPr id="19" name="Rectangle 18">
             <a:extLst>
               <a:ext uri="{FF2B5EF4-FFF2-40B4-BE49-F238E27FC236}">
-                <a16:creationId xmlns:a16="http://schemas.microsoft.com/office/drawing/2014/main" xmlns="" id="{AF1F8309-A4E5-4D9A-A702-55F3EB4E4E45}"/>
+                <a16:creationId xmlns="" xmlns:a16="http://schemas.microsoft.com/office/drawing/2014/main" id="{AF1F8309-A4E5-4D9A-A702-55F3EB4E4E45}"/>
               </a:ext>
             </a:extLst>
           </p:cNvPr>
@@ -17977,7 +17977,7 @@
           <p:cNvPr id="21" name="Diamond 20">
             <a:extLst>
               <a:ext uri="{FF2B5EF4-FFF2-40B4-BE49-F238E27FC236}">
-                <a16:creationId xmlns:a16="http://schemas.microsoft.com/office/drawing/2014/main" xmlns="" id="{1881F132-F5BE-4F75-AC66-678106150110}"/>
+                <a16:creationId xmlns="" xmlns:a16="http://schemas.microsoft.com/office/drawing/2014/main" id="{1881F132-F5BE-4F75-AC66-678106150110}"/>
               </a:ext>
             </a:extLst>
           </p:cNvPr>
@@ -18031,7 +18031,7 @@
           <p:cNvPr id="23" name="Straight Arrow Connector 22">
             <a:extLst>
               <a:ext uri="{FF2B5EF4-FFF2-40B4-BE49-F238E27FC236}">
-                <a16:creationId xmlns:a16="http://schemas.microsoft.com/office/drawing/2014/main" xmlns="" id="{DC288AA4-3D2B-4C70-B746-E5BCF7CB5B94}"/>
+                <a16:creationId xmlns="" xmlns:a16="http://schemas.microsoft.com/office/drawing/2014/main" id="{DC288AA4-3D2B-4C70-B746-E5BCF7CB5B94}"/>
               </a:ext>
             </a:extLst>
           </p:cNvPr>
@@ -18069,7 +18069,7 @@
           <p:cNvPr id="25" name="Rectangle 24">
             <a:extLst>
               <a:ext uri="{FF2B5EF4-FFF2-40B4-BE49-F238E27FC236}">
-                <a16:creationId xmlns:a16="http://schemas.microsoft.com/office/drawing/2014/main" xmlns="" id="{BE657D33-F260-497E-8272-7FEBE21DA373}"/>
+                <a16:creationId xmlns="" xmlns:a16="http://schemas.microsoft.com/office/drawing/2014/main" id="{BE657D33-F260-497E-8272-7FEBE21DA373}"/>
               </a:ext>
             </a:extLst>
           </p:cNvPr>
@@ -18119,7 +18119,7 @@
           <p:cNvPr id="27" name="Straight Arrow Connector 26">
             <a:extLst>
               <a:ext uri="{FF2B5EF4-FFF2-40B4-BE49-F238E27FC236}">
-                <a16:creationId xmlns:a16="http://schemas.microsoft.com/office/drawing/2014/main" xmlns="" id="{E150476E-2686-4065-B5A1-175F1C86C152}"/>
+                <a16:creationId xmlns="" xmlns:a16="http://schemas.microsoft.com/office/drawing/2014/main" id="{E150476E-2686-4065-B5A1-175F1C86C152}"/>
               </a:ext>
             </a:extLst>
           </p:cNvPr>
@@ -18158,7 +18158,7 @@
           <p:cNvPr id="29" name="Rectangle 28">
             <a:extLst>
               <a:ext uri="{FF2B5EF4-FFF2-40B4-BE49-F238E27FC236}">
-                <a16:creationId xmlns:a16="http://schemas.microsoft.com/office/drawing/2014/main" xmlns="" id="{812FB36F-0378-4A0A-9016-D9C2D10CE902}"/>
+                <a16:creationId xmlns="" xmlns:a16="http://schemas.microsoft.com/office/drawing/2014/main" id="{812FB36F-0378-4A0A-9016-D9C2D10CE902}"/>
               </a:ext>
             </a:extLst>
           </p:cNvPr>
@@ -18208,7 +18208,7 @@
           <p:cNvPr id="31" name="Diamond 30">
             <a:extLst>
               <a:ext uri="{FF2B5EF4-FFF2-40B4-BE49-F238E27FC236}">
-                <a16:creationId xmlns:a16="http://schemas.microsoft.com/office/drawing/2014/main" xmlns="" id="{8359C1EC-2F5C-4DAF-A571-2F3E9E95AB4E}"/>
+                <a16:creationId xmlns="" xmlns:a16="http://schemas.microsoft.com/office/drawing/2014/main" id="{8359C1EC-2F5C-4DAF-A571-2F3E9E95AB4E}"/>
               </a:ext>
             </a:extLst>
           </p:cNvPr>
@@ -18262,7 +18262,7 @@
           <p:cNvPr id="33" name="Straight Arrow Connector 32">
             <a:extLst>
               <a:ext uri="{FF2B5EF4-FFF2-40B4-BE49-F238E27FC236}">
-                <a16:creationId xmlns:a16="http://schemas.microsoft.com/office/drawing/2014/main" xmlns="" id="{3B9C4330-278A-4C35-AF30-DF1CDD88E2D7}"/>
+                <a16:creationId xmlns="" xmlns:a16="http://schemas.microsoft.com/office/drawing/2014/main" id="{3B9C4330-278A-4C35-AF30-DF1CDD88E2D7}"/>
               </a:ext>
             </a:extLst>
           </p:cNvPr>
@@ -18300,7 +18300,7 @@
           <p:cNvPr id="4" name="TextBox 3">
             <a:extLst>
               <a:ext uri="{FF2B5EF4-FFF2-40B4-BE49-F238E27FC236}">
-                <a16:creationId xmlns:a16="http://schemas.microsoft.com/office/drawing/2014/main" xmlns="" id="{DC1249B4-FAA4-4993-9D4F-94F91F338044}"/>
+                <a16:creationId xmlns="" xmlns:a16="http://schemas.microsoft.com/office/drawing/2014/main" id="{DC1249B4-FAA4-4993-9D4F-94F91F338044}"/>
               </a:ext>
             </a:extLst>
           </p:cNvPr>
@@ -18370,7 +18370,7 @@
           <p:cNvPr id="2" name="Title 1">
             <a:extLst>
               <a:ext uri="{FF2B5EF4-FFF2-40B4-BE49-F238E27FC236}">
-                <a16:creationId xmlns:a16="http://schemas.microsoft.com/office/drawing/2014/main" xmlns="" id="{82DF879C-6FF8-4DB6-9643-73E27A39B03B}"/>
+                <a16:creationId xmlns="" xmlns:a16="http://schemas.microsoft.com/office/drawing/2014/main" id="{82DF879C-6FF8-4DB6-9643-73E27A39B03B}"/>
               </a:ext>
             </a:extLst>
           </p:cNvPr>
@@ -18401,7 +18401,7 @@
           <p:cNvPr id="3" name="Content Placeholder 2">
             <a:extLst>
               <a:ext uri="{FF2B5EF4-FFF2-40B4-BE49-F238E27FC236}">
-                <a16:creationId xmlns:a16="http://schemas.microsoft.com/office/drawing/2014/main" xmlns="" id="{344ABC9E-551C-4D50-9BD1-0EDE0DE288A8}"/>
+                <a16:creationId xmlns="" xmlns:a16="http://schemas.microsoft.com/office/drawing/2014/main" id="{344ABC9E-551C-4D50-9BD1-0EDE0DE288A8}"/>
               </a:ext>
             </a:extLst>
           </p:cNvPr>
@@ -18481,7 +18481,7 @@
           <p:cNvPr id="5" name="Rectangle 4">
             <a:extLst>
               <a:ext uri="{FF2B5EF4-FFF2-40B4-BE49-F238E27FC236}">
-                <a16:creationId xmlns:a16="http://schemas.microsoft.com/office/drawing/2014/main" xmlns="" id="{D81F5FA0-4A49-4AC6-B3BB-983EC86C17C5}"/>
+                <a16:creationId xmlns="" xmlns:a16="http://schemas.microsoft.com/office/drawing/2014/main" id="{D81F5FA0-4A49-4AC6-B3BB-983EC86C17C5}"/>
               </a:ext>
             </a:extLst>
           </p:cNvPr>
@@ -18531,7 +18531,7 @@
           <p:cNvPr id="7" name="Straight Arrow Connector 6">
             <a:extLst>
               <a:ext uri="{FF2B5EF4-FFF2-40B4-BE49-F238E27FC236}">
-                <a16:creationId xmlns:a16="http://schemas.microsoft.com/office/drawing/2014/main" xmlns="" id="{DF1093D6-05B3-4F30-88B8-1721937890D7}"/>
+                <a16:creationId xmlns="" xmlns:a16="http://schemas.microsoft.com/office/drawing/2014/main" id="{DF1093D6-05B3-4F30-88B8-1721937890D7}"/>
               </a:ext>
             </a:extLst>
           </p:cNvPr>
@@ -18569,7 +18569,7 @@
           <p:cNvPr id="9" name="Rectangle 8">
             <a:extLst>
               <a:ext uri="{FF2B5EF4-FFF2-40B4-BE49-F238E27FC236}">
-                <a16:creationId xmlns:a16="http://schemas.microsoft.com/office/drawing/2014/main" xmlns="" id="{644FB2F0-8B17-4F44-A1C6-E29DB39902F3}"/>
+                <a16:creationId xmlns="" xmlns:a16="http://schemas.microsoft.com/office/drawing/2014/main" id="{644FB2F0-8B17-4F44-A1C6-E29DB39902F3}"/>
               </a:ext>
             </a:extLst>
           </p:cNvPr>
@@ -18619,7 +18619,7 @@
           <p:cNvPr id="11" name="Diamond 10">
             <a:extLst>
               <a:ext uri="{FF2B5EF4-FFF2-40B4-BE49-F238E27FC236}">
-                <a16:creationId xmlns:a16="http://schemas.microsoft.com/office/drawing/2014/main" xmlns="" id="{B95337CB-3A58-470D-A7AD-D00AE3D23483}"/>
+                <a16:creationId xmlns="" xmlns:a16="http://schemas.microsoft.com/office/drawing/2014/main" id="{B95337CB-3A58-470D-A7AD-D00AE3D23483}"/>
               </a:ext>
             </a:extLst>
           </p:cNvPr>
@@ -18673,7 +18673,7 @@
           <p:cNvPr id="13" name="Straight Arrow Connector 12">
             <a:extLst>
               <a:ext uri="{FF2B5EF4-FFF2-40B4-BE49-F238E27FC236}">
-                <a16:creationId xmlns:a16="http://schemas.microsoft.com/office/drawing/2014/main" xmlns="" id="{175430B9-2A05-4DA3-B83C-29F82BECFF17}"/>
+                <a16:creationId xmlns="" xmlns:a16="http://schemas.microsoft.com/office/drawing/2014/main" id="{175430B9-2A05-4DA3-B83C-29F82BECFF17}"/>
               </a:ext>
             </a:extLst>
           </p:cNvPr>
@@ -18709,7 +18709,7 @@
           <p:cNvPr id="15" name="Rectangle 14">
             <a:extLst>
               <a:ext uri="{FF2B5EF4-FFF2-40B4-BE49-F238E27FC236}">
-                <a16:creationId xmlns:a16="http://schemas.microsoft.com/office/drawing/2014/main" xmlns="" id="{72CD61B8-ADD3-4926-BABD-F8D8343F8A25}"/>
+                <a16:creationId xmlns="" xmlns:a16="http://schemas.microsoft.com/office/drawing/2014/main" id="{72CD61B8-ADD3-4926-BABD-F8D8343F8A25}"/>
               </a:ext>
             </a:extLst>
           </p:cNvPr>
@@ -18759,7 +18759,7 @@
           <p:cNvPr id="17" name="Straight Arrow Connector 16">
             <a:extLst>
               <a:ext uri="{FF2B5EF4-FFF2-40B4-BE49-F238E27FC236}">
-                <a16:creationId xmlns:a16="http://schemas.microsoft.com/office/drawing/2014/main" xmlns="" id="{8EB18534-4DE5-43A3-B4CC-29FA5288B553}"/>
+                <a16:creationId xmlns="" xmlns:a16="http://schemas.microsoft.com/office/drawing/2014/main" id="{8EB18534-4DE5-43A3-B4CC-29FA5288B553}"/>
               </a:ext>
             </a:extLst>
           </p:cNvPr>
@@ -18797,7 +18797,7 @@
           <p:cNvPr id="19" name="Rectangle 18">
             <a:extLst>
               <a:ext uri="{FF2B5EF4-FFF2-40B4-BE49-F238E27FC236}">
-                <a16:creationId xmlns:a16="http://schemas.microsoft.com/office/drawing/2014/main" xmlns="" id="{AF1F8309-A4E5-4D9A-A702-55F3EB4E4E45}"/>
+                <a16:creationId xmlns="" xmlns:a16="http://schemas.microsoft.com/office/drawing/2014/main" id="{AF1F8309-A4E5-4D9A-A702-55F3EB4E4E45}"/>
               </a:ext>
             </a:extLst>
           </p:cNvPr>
@@ -18847,7 +18847,7 @@
           <p:cNvPr id="21" name="Diamond 20">
             <a:extLst>
               <a:ext uri="{FF2B5EF4-FFF2-40B4-BE49-F238E27FC236}">
-                <a16:creationId xmlns:a16="http://schemas.microsoft.com/office/drawing/2014/main" xmlns="" id="{1881F132-F5BE-4F75-AC66-678106150110}"/>
+                <a16:creationId xmlns="" xmlns:a16="http://schemas.microsoft.com/office/drawing/2014/main" id="{1881F132-F5BE-4F75-AC66-678106150110}"/>
               </a:ext>
             </a:extLst>
           </p:cNvPr>
@@ -18901,7 +18901,7 @@
           <p:cNvPr id="23" name="Straight Arrow Connector 22">
             <a:extLst>
               <a:ext uri="{FF2B5EF4-FFF2-40B4-BE49-F238E27FC236}">
-                <a16:creationId xmlns:a16="http://schemas.microsoft.com/office/drawing/2014/main" xmlns="" id="{DC288AA4-3D2B-4C70-B746-E5BCF7CB5B94}"/>
+                <a16:creationId xmlns="" xmlns:a16="http://schemas.microsoft.com/office/drawing/2014/main" id="{DC288AA4-3D2B-4C70-B746-E5BCF7CB5B94}"/>
               </a:ext>
             </a:extLst>
           </p:cNvPr>
@@ -18939,7 +18939,7 @@
           <p:cNvPr id="25" name="Rectangle 24">
             <a:extLst>
               <a:ext uri="{FF2B5EF4-FFF2-40B4-BE49-F238E27FC236}">
-                <a16:creationId xmlns:a16="http://schemas.microsoft.com/office/drawing/2014/main" xmlns="" id="{BE657D33-F260-497E-8272-7FEBE21DA373}"/>
+                <a16:creationId xmlns="" xmlns:a16="http://schemas.microsoft.com/office/drawing/2014/main" id="{BE657D33-F260-497E-8272-7FEBE21DA373}"/>
               </a:ext>
             </a:extLst>
           </p:cNvPr>
@@ -18989,7 +18989,7 @@
           <p:cNvPr id="27" name="Straight Arrow Connector 26">
             <a:extLst>
               <a:ext uri="{FF2B5EF4-FFF2-40B4-BE49-F238E27FC236}">
-                <a16:creationId xmlns:a16="http://schemas.microsoft.com/office/drawing/2014/main" xmlns="" id="{E150476E-2686-4065-B5A1-175F1C86C152}"/>
+                <a16:creationId xmlns="" xmlns:a16="http://schemas.microsoft.com/office/drawing/2014/main" id="{E150476E-2686-4065-B5A1-175F1C86C152}"/>
               </a:ext>
             </a:extLst>
           </p:cNvPr>
@@ -19028,7 +19028,7 @@
           <p:cNvPr id="29" name="Rectangle 28">
             <a:extLst>
               <a:ext uri="{FF2B5EF4-FFF2-40B4-BE49-F238E27FC236}">
-                <a16:creationId xmlns:a16="http://schemas.microsoft.com/office/drawing/2014/main" xmlns="" id="{812FB36F-0378-4A0A-9016-D9C2D10CE902}"/>
+                <a16:creationId xmlns="" xmlns:a16="http://schemas.microsoft.com/office/drawing/2014/main" id="{812FB36F-0378-4A0A-9016-D9C2D10CE902}"/>
               </a:ext>
             </a:extLst>
           </p:cNvPr>
@@ -19078,7 +19078,7 @@
           <p:cNvPr id="31" name="Diamond 30">
             <a:extLst>
               <a:ext uri="{FF2B5EF4-FFF2-40B4-BE49-F238E27FC236}">
-                <a16:creationId xmlns:a16="http://schemas.microsoft.com/office/drawing/2014/main" xmlns="" id="{8359C1EC-2F5C-4DAF-A571-2F3E9E95AB4E}"/>
+                <a16:creationId xmlns="" xmlns:a16="http://schemas.microsoft.com/office/drawing/2014/main" id="{8359C1EC-2F5C-4DAF-A571-2F3E9E95AB4E}"/>
               </a:ext>
             </a:extLst>
           </p:cNvPr>
@@ -19132,7 +19132,7 @@
           <p:cNvPr id="33" name="Straight Arrow Connector 32">
             <a:extLst>
               <a:ext uri="{FF2B5EF4-FFF2-40B4-BE49-F238E27FC236}">
-                <a16:creationId xmlns:a16="http://schemas.microsoft.com/office/drawing/2014/main" xmlns="" id="{3B9C4330-278A-4C35-AF30-DF1CDD88E2D7}"/>
+                <a16:creationId xmlns="" xmlns:a16="http://schemas.microsoft.com/office/drawing/2014/main" id="{3B9C4330-278A-4C35-AF30-DF1CDD88E2D7}"/>
               </a:ext>
             </a:extLst>
           </p:cNvPr>
@@ -19170,7 +19170,7 @@
           <p:cNvPr id="4" name="TextBox 3">
             <a:extLst>
               <a:ext uri="{FF2B5EF4-FFF2-40B4-BE49-F238E27FC236}">
-                <a16:creationId xmlns:a16="http://schemas.microsoft.com/office/drawing/2014/main" xmlns="" id="{DC1249B4-FAA4-4993-9D4F-94F91F338044}"/>
+                <a16:creationId xmlns="" xmlns:a16="http://schemas.microsoft.com/office/drawing/2014/main" id="{DC1249B4-FAA4-4993-9D4F-94F91F338044}"/>
               </a:ext>
             </a:extLst>
           </p:cNvPr>
@@ -19213,7 +19213,7 @@
           <p:cNvPr id="6" name="TextBox 5">
             <a:extLst>
               <a:ext uri="{FF2B5EF4-FFF2-40B4-BE49-F238E27FC236}">
-                <a16:creationId xmlns:a16="http://schemas.microsoft.com/office/drawing/2014/main" xmlns="" id="{DDD3A3F5-E7F6-4FE2-AD24-3D8BF33E5221}"/>
+                <a16:creationId xmlns="" xmlns:a16="http://schemas.microsoft.com/office/drawing/2014/main" id="{DDD3A3F5-E7F6-4FE2-AD24-3D8BF33E5221}"/>
               </a:ext>
             </a:extLst>
           </p:cNvPr>
@@ -19252,7 +19252,7 @@
           <p:cNvPr id="8" name="TextBox 7">
             <a:extLst>
               <a:ext uri="{FF2B5EF4-FFF2-40B4-BE49-F238E27FC236}">
-                <a16:creationId xmlns:a16="http://schemas.microsoft.com/office/drawing/2014/main" xmlns="" id="{386AEEEA-7F64-4D95-9E55-3824ECA2955D}"/>
+                <a16:creationId xmlns="" xmlns:a16="http://schemas.microsoft.com/office/drawing/2014/main" id="{386AEEEA-7F64-4D95-9E55-3824ECA2955D}"/>
               </a:ext>
             </a:extLst>
           </p:cNvPr>
@@ -19291,7 +19291,7 @@
           <p:cNvPr id="10" name="TextBox 9">
             <a:extLst>
               <a:ext uri="{FF2B5EF4-FFF2-40B4-BE49-F238E27FC236}">
-                <a16:creationId xmlns:a16="http://schemas.microsoft.com/office/drawing/2014/main" xmlns="" id="{694C5952-1E04-4BFE-889C-1087ACF4D139}"/>
+                <a16:creationId xmlns="" xmlns:a16="http://schemas.microsoft.com/office/drawing/2014/main" id="{694C5952-1E04-4BFE-889C-1087ACF4D139}"/>
               </a:ext>
             </a:extLst>
           </p:cNvPr>
@@ -19334,7 +19334,7 @@
           <p:cNvPr id="12" name="TextBox 11">
             <a:extLst>
               <a:ext uri="{FF2B5EF4-FFF2-40B4-BE49-F238E27FC236}">
-                <a16:creationId xmlns:a16="http://schemas.microsoft.com/office/drawing/2014/main" xmlns="" id="{13AAC9F1-804E-4516-A214-6220742922D9}"/>
+                <a16:creationId xmlns="" xmlns:a16="http://schemas.microsoft.com/office/drawing/2014/main" id="{13AAC9F1-804E-4516-A214-6220742922D9}"/>
               </a:ext>
             </a:extLst>
           </p:cNvPr>
@@ -19373,7 +19373,7 @@
           <p:cNvPr id="14" name="TextBox 13">
             <a:extLst>
               <a:ext uri="{FF2B5EF4-FFF2-40B4-BE49-F238E27FC236}">
-                <a16:creationId xmlns:a16="http://schemas.microsoft.com/office/drawing/2014/main" xmlns="" id="{9CC3522A-C901-4FB3-89AE-067E9FF20A27}"/>
+                <a16:creationId xmlns="" xmlns:a16="http://schemas.microsoft.com/office/drawing/2014/main" id="{9CC3522A-C901-4FB3-89AE-067E9FF20A27}"/>
               </a:ext>
             </a:extLst>
           </p:cNvPr>
@@ -19442,7 +19442,7 @@
           <p:cNvPr id="2" name="Title 1">
             <a:extLst>
               <a:ext uri="{FF2B5EF4-FFF2-40B4-BE49-F238E27FC236}">
-                <a16:creationId xmlns:a16="http://schemas.microsoft.com/office/drawing/2014/main" xmlns="" id="{82DF879C-6FF8-4DB6-9643-73E27A39B03B}"/>
+                <a16:creationId xmlns="" xmlns:a16="http://schemas.microsoft.com/office/drawing/2014/main" id="{82DF879C-6FF8-4DB6-9643-73E27A39B03B}"/>
               </a:ext>
             </a:extLst>
           </p:cNvPr>
@@ -19473,7 +19473,7 @@
           <p:cNvPr id="3" name="Content Placeholder 2">
             <a:extLst>
               <a:ext uri="{FF2B5EF4-FFF2-40B4-BE49-F238E27FC236}">
-                <a16:creationId xmlns:a16="http://schemas.microsoft.com/office/drawing/2014/main" xmlns="" id="{344ABC9E-551C-4D50-9BD1-0EDE0DE288A8}"/>
+                <a16:creationId xmlns="" xmlns:a16="http://schemas.microsoft.com/office/drawing/2014/main" id="{344ABC9E-551C-4D50-9BD1-0EDE0DE288A8}"/>
               </a:ext>
             </a:extLst>
           </p:cNvPr>
@@ -19522,7 +19522,7 @@
           <p:cNvPr id="5" name="Rectangle 4">
             <a:extLst>
               <a:ext uri="{FF2B5EF4-FFF2-40B4-BE49-F238E27FC236}">
-                <a16:creationId xmlns:a16="http://schemas.microsoft.com/office/drawing/2014/main" xmlns="" id="{D81F5FA0-4A49-4AC6-B3BB-983EC86C17C5}"/>
+                <a16:creationId xmlns="" xmlns:a16="http://schemas.microsoft.com/office/drawing/2014/main" id="{D81F5FA0-4A49-4AC6-B3BB-983EC86C17C5}"/>
               </a:ext>
             </a:extLst>
           </p:cNvPr>
@@ -19577,7 +19577,7 @@
           <p:cNvPr id="7" name="Straight Arrow Connector 6">
             <a:extLst>
               <a:ext uri="{FF2B5EF4-FFF2-40B4-BE49-F238E27FC236}">
-                <a16:creationId xmlns:a16="http://schemas.microsoft.com/office/drawing/2014/main" xmlns="" id="{DF1093D6-05B3-4F30-88B8-1721937890D7}"/>
+                <a16:creationId xmlns="" xmlns:a16="http://schemas.microsoft.com/office/drawing/2014/main" id="{DF1093D6-05B3-4F30-88B8-1721937890D7}"/>
               </a:ext>
             </a:extLst>
           </p:cNvPr>
@@ -19615,7 +19615,7 @@
           <p:cNvPr id="9" name="Rectangle 8">
             <a:extLst>
               <a:ext uri="{FF2B5EF4-FFF2-40B4-BE49-F238E27FC236}">
-                <a16:creationId xmlns:a16="http://schemas.microsoft.com/office/drawing/2014/main" xmlns="" id="{644FB2F0-8B17-4F44-A1C6-E29DB39902F3}"/>
+                <a16:creationId xmlns="" xmlns:a16="http://schemas.microsoft.com/office/drawing/2014/main" id="{644FB2F0-8B17-4F44-A1C6-E29DB39902F3}"/>
               </a:ext>
             </a:extLst>
           </p:cNvPr>
@@ -19665,7 +19665,7 @@
           <p:cNvPr id="11" name="Diamond 10">
             <a:extLst>
               <a:ext uri="{FF2B5EF4-FFF2-40B4-BE49-F238E27FC236}">
-                <a16:creationId xmlns:a16="http://schemas.microsoft.com/office/drawing/2014/main" xmlns="" id="{B95337CB-3A58-470D-A7AD-D00AE3D23483}"/>
+                <a16:creationId xmlns="" xmlns:a16="http://schemas.microsoft.com/office/drawing/2014/main" id="{B95337CB-3A58-470D-A7AD-D00AE3D23483}"/>
               </a:ext>
             </a:extLst>
           </p:cNvPr>
@@ -19715,7 +19715,7 @@
           <p:cNvPr id="13" name="Straight Arrow Connector 12">
             <a:extLst>
               <a:ext uri="{FF2B5EF4-FFF2-40B4-BE49-F238E27FC236}">
-                <a16:creationId xmlns:a16="http://schemas.microsoft.com/office/drawing/2014/main" xmlns="" id="{175430B9-2A05-4DA3-B83C-29F82BECFF17}"/>
+                <a16:creationId xmlns="" xmlns:a16="http://schemas.microsoft.com/office/drawing/2014/main" id="{175430B9-2A05-4DA3-B83C-29F82BECFF17}"/>
               </a:ext>
             </a:extLst>
           </p:cNvPr>
@@ -19751,7 +19751,7 @@
           <p:cNvPr id="15" name="Rectangle 14">
             <a:extLst>
               <a:ext uri="{FF2B5EF4-FFF2-40B4-BE49-F238E27FC236}">
-                <a16:creationId xmlns:a16="http://schemas.microsoft.com/office/drawing/2014/main" xmlns="" id="{72CD61B8-ADD3-4926-BABD-F8D8343F8A25}"/>
+                <a16:creationId xmlns="" xmlns:a16="http://schemas.microsoft.com/office/drawing/2014/main" id="{72CD61B8-ADD3-4926-BABD-F8D8343F8A25}"/>
               </a:ext>
             </a:extLst>
           </p:cNvPr>
@@ -19801,7 +19801,7 @@
           <p:cNvPr id="17" name="Straight Arrow Connector 16">
             <a:extLst>
               <a:ext uri="{FF2B5EF4-FFF2-40B4-BE49-F238E27FC236}">
-                <a16:creationId xmlns:a16="http://schemas.microsoft.com/office/drawing/2014/main" xmlns="" id="{8EB18534-4DE5-43A3-B4CC-29FA5288B553}"/>
+                <a16:creationId xmlns="" xmlns:a16="http://schemas.microsoft.com/office/drawing/2014/main" id="{8EB18534-4DE5-43A3-B4CC-29FA5288B553}"/>
               </a:ext>
             </a:extLst>
           </p:cNvPr>
@@ -19839,7 +19839,7 @@
           <p:cNvPr id="19" name="Rectangle 18">
             <a:extLst>
               <a:ext uri="{FF2B5EF4-FFF2-40B4-BE49-F238E27FC236}">
-                <a16:creationId xmlns:a16="http://schemas.microsoft.com/office/drawing/2014/main" xmlns="" id="{AF1F8309-A4E5-4D9A-A702-55F3EB4E4E45}"/>
+                <a16:creationId xmlns="" xmlns:a16="http://schemas.microsoft.com/office/drawing/2014/main" id="{AF1F8309-A4E5-4D9A-A702-55F3EB4E4E45}"/>
               </a:ext>
             </a:extLst>
           </p:cNvPr>
@@ -19889,7 +19889,7 @@
           <p:cNvPr id="21" name="Diamond 20">
             <a:extLst>
               <a:ext uri="{FF2B5EF4-FFF2-40B4-BE49-F238E27FC236}">
-                <a16:creationId xmlns:a16="http://schemas.microsoft.com/office/drawing/2014/main" xmlns="" id="{1881F132-F5BE-4F75-AC66-678106150110}"/>
+                <a16:creationId xmlns="" xmlns:a16="http://schemas.microsoft.com/office/drawing/2014/main" id="{1881F132-F5BE-4F75-AC66-678106150110}"/>
               </a:ext>
             </a:extLst>
           </p:cNvPr>
@@ -19941,7 +19941,7 @@
           <p:cNvPr id="23" name="Straight Arrow Connector 22">
             <a:extLst>
               <a:ext uri="{FF2B5EF4-FFF2-40B4-BE49-F238E27FC236}">
-                <a16:creationId xmlns:a16="http://schemas.microsoft.com/office/drawing/2014/main" xmlns="" id="{DC288AA4-3D2B-4C70-B746-E5BCF7CB5B94}"/>
+                <a16:creationId xmlns="" xmlns:a16="http://schemas.microsoft.com/office/drawing/2014/main" id="{DC288AA4-3D2B-4C70-B746-E5BCF7CB5B94}"/>
               </a:ext>
             </a:extLst>
           </p:cNvPr>
@@ -19979,7 +19979,7 @@
           <p:cNvPr id="25" name="Rectangle 24">
             <a:extLst>
               <a:ext uri="{FF2B5EF4-FFF2-40B4-BE49-F238E27FC236}">
-                <a16:creationId xmlns:a16="http://schemas.microsoft.com/office/drawing/2014/main" xmlns="" id="{BE657D33-F260-497E-8272-7FEBE21DA373}"/>
+                <a16:creationId xmlns="" xmlns:a16="http://schemas.microsoft.com/office/drawing/2014/main" id="{BE657D33-F260-497E-8272-7FEBE21DA373}"/>
               </a:ext>
             </a:extLst>
           </p:cNvPr>
@@ -20029,7 +20029,7 @@
           <p:cNvPr id="27" name="Straight Arrow Connector 26">
             <a:extLst>
               <a:ext uri="{FF2B5EF4-FFF2-40B4-BE49-F238E27FC236}">
-                <a16:creationId xmlns:a16="http://schemas.microsoft.com/office/drawing/2014/main" xmlns="" id="{E150476E-2686-4065-B5A1-175F1C86C152}"/>
+                <a16:creationId xmlns="" xmlns:a16="http://schemas.microsoft.com/office/drawing/2014/main" id="{E150476E-2686-4065-B5A1-175F1C86C152}"/>
               </a:ext>
             </a:extLst>
           </p:cNvPr>
@@ -20067,7 +20067,7 @@
           <p:cNvPr id="29" name="Rectangle 28">
             <a:extLst>
               <a:ext uri="{FF2B5EF4-FFF2-40B4-BE49-F238E27FC236}">
-                <a16:creationId xmlns:a16="http://schemas.microsoft.com/office/drawing/2014/main" xmlns="" id="{812FB36F-0378-4A0A-9016-D9C2D10CE902}"/>
+                <a16:creationId xmlns="" xmlns:a16="http://schemas.microsoft.com/office/drawing/2014/main" id="{812FB36F-0378-4A0A-9016-D9C2D10CE902}"/>
               </a:ext>
             </a:extLst>
           </p:cNvPr>
@@ -20117,7 +20117,7 @@
           <p:cNvPr id="31" name="Diamond 30">
             <a:extLst>
               <a:ext uri="{FF2B5EF4-FFF2-40B4-BE49-F238E27FC236}">
-                <a16:creationId xmlns:a16="http://schemas.microsoft.com/office/drawing/2014/main" xmlns="" id="{8359C1EC-2F5C-4DAF-A571-2F3E9E95AB4E}"/>
+                <a16:creationId xmlns="" xmlns:a16="http://schemas.microsoft.com/office/drawing/2014/main" id="{8359C1EC-2F5C-4DAF-A571-2F3E9E95AB4E}"/>
               </a:ext>
             </a:extLst>
           </p:cNvPr>
@@ -20171,7 +20171,7 @@
           <p:cNvPr id="33" name="Straight Arrow Connector 32">
             <a:extLst>
               <a:ext uri="{FF2B5EF4-FFF2-40B4-BE49-F238E27FC236}">
-                <a16:creationId xmlns:a16="http://schemas.microsoft.com/office/drawing/2014/main" xmlns="" id="{3B9C4330-278A-4C35-AF30-DF1CDD88E2D7}"/>
+                <a16:creationId xmlns="" xmlns:a16="http://schemas.microsoft.com/office/drawing/2014/main" id="{3B9C4330-278A-4C35-AF30-DF1CDD88E2D7}"/>
               </a:ext>
             </a:extLst>
           </p:cNvPr>
@@ -20239,7 +20239,7 @@
           <p:cNvPr id="7170" name="Title 2">
             <a:extLst>
               <a:ext uri="{FF2B5EF4-FFF2-40B4-BE49-F238E27FC236}">
-                <a16:creationId xmlns:a16="http://schemas.microsoft.com/office/drawing/2014/main" xmlns="" id="{CDE1211D-2735-4E80-9E7A-F2184F155495}"/>
+                <a16:creationId xmlns="" xmlns:a16="http://schemas.microsoft.com/office/drawing/2014/main" id="{CDE1211D-2735-4E80-9E7A-F2184F155495}"/>
               </a:ext>
             </a:extLst>
           </p:cNvPr>
@@ -20267,7 +20267,7 @@
           <p:cNvPr id="7171" name="Content Placeholder 3">
             <a:extLst>
               <a:ext uri="{FF2B5EF4-FFF2-40B4-BE49-F238E27FC236}">
-                <a16:creationId xmlns:a16="http://schemas.microsoft.com/office/drawing/2014/main" xmlns="" id="{84E5A7F5-CEEA-4DDE-8AA8-66B372DDA445}"/>
+                <a16:creationId xmlns="" xmlns:a16="http://schemas.microsoft.com/office/drawing/2014/main" id="{84E5A7F5-CEEA-4DDE-8AA8-66B372DDA445}"/>
               </a:ext>
             </a:extLst>
           </p:cNvPr>
@@ -20430,7 +20430,7 @@
           <p:cNvPr id="2" name="Title 1">
             <a:extLst>
               <a:ext uri="{FF2B5EF4-FFF2-40B4-BE49-F238E27FC236}">
-                <a16:creationId xmlns:a16="http://schemas.microsoft.com/office/drawing/2014/main" xmlns="" id="{82DF879C-6FF8-4DB6-9643-73E27A39B03B}"/>
+                <a16:creationId xmlns="" xmlns:a16="http://schemas.microsoft.com/office/drawing/2014/main" id="{82DF879C-6FF8-4DB6-9643-73E27A39B03B}"/>
               </a:ext>
             </a:extLst>
           </p:cNvPr>
@@ -20461,7 +20461,7 @@
           <p:cNvPr id="3" name="Content Placeholder 2">
             <a:extLst>
               <a:ext uri="{FF2B5EF4-FFF2-40B4-BE49-F238E27FC236}">
-                <a16:creationId xmlns:a16="http://schemas.microsoft.com/office/drawing/2014/main" xmlns="" id="{344ABC9E-551C-4D50-9BD1-0EDE0DE288A8}"/>
+                <a16:creationId xmlns="" xmlns:a16="http://schemas.microsoft.com/office/drawing/2014/main" id="{344ABC9E-551C-4D50-9BD1-0EDE0DE288A8}"/>
               </a:ext>
             </a:extLst>
           </p:cNvPr>
@@ -20573,7 +20573,7 @@
           <p:cNvPr id="5" name="Rectangle 4">
             <a:extLst>
               <a:ext uri="{FF2B5EF4-FFF2-40B4-BE49-F238E27FC236}">
-                <a16:creationId xmlns:a16="http://schemas.microsoft.com/office/drawing/2014/main" xmlns="" id="{D81F5FA0-4A49-4AC6-B3BB-983EC86C17C5}"/>
+                <a16:creationId xmlns="" xmlns:a16="http://schemas.microsoft.com/office/drawing/2014/main" id="{D81F5FA0-4A49-4AC6-B3BB-983EC86C17C5}"/>
               </a:ext>
             </a:extLst>
           </p:cNvPr>
@@ -20628,7 +20628,7 @@
           <p:cNvPr id="7" name="Straight Arrow Connector 6">
             <a:extLst>
               <a:ext uri="{FF2B5EF4-FFF2-40B4-BE49-F238E27FC236}">
-                <a16:creationId xmlns:a16="http://schemas.microsoft.com/office/drawing/2014/main" xmlns="" id="{DF1093D6-05B3-4F30-88B8-1721937890D7}"/>
+                <a16:creationId xmlns="" xmlns:a16="http://schemas.microsoft.com/office/drawing/2014/main" id="{DF1093D6-05B3-4F30-88B8-1721937890D7}"/>
               </a:ext>
             </a:extLst>
           </p:cNvPr>
@@ -20666,7 +20666,7 @@
           <p:cNvPr id="9" name="Rectangle 8">
             <a:extLst>
               <a:ext uri="{FF2B5EF4-FFF2-40B4-BE49-F238E27FC236}">
-                <a16:creationId xmlns:a16="http://schemas.microsoft.com/office/drawing/2014/main" xmlns="" id="{644FB2F0-8B17-4F44-A1C6-E29DB39902F3}"/>
+                <a16:creationId xmlns="" xmlns:a16="http://schemas.microsoft.com/office/drawing/2014/main" id="{644FB2F0-8B17-4F44-A1C6-E29DB39902F3}"/>
               </a:ext>
             </a:extLst>
           </p:cNvPr>
@@ -20716,7 +20716,7 @@
           <p:cNvPr id="11" name="Diamond 10">
             <a:extLst>
               <a:ext uri="{FF2B5EF4-FFF2-40B4-BE49-F238E27FC236}">
-                <a16:creationId xmlns:a16="http://schemas.microsoft.com/office/drawing/2014/main" xmlns="" id="{B95337CB-3A58-470D-A7AD-D00AE3D23483}"/>
+                <a16:creationId xmlns="" xmlns:a16="http://schemas.microsoft.com/office/drawing/2014/main" id="{B95337CB-3A58-470D-A7AD-D00AE3D23483}"/>
               </a:ext>
             </a:extLst>
           </p:cNvPr>
@@ -20770,7 +20770,7 @@
           <p:cNvPr id="13" name="Straight Arrow Connector 12">
             <a:extLst>
               <a:ext uri="{FF2B5EF4-FFF2-40B4-BE49-F238E27FC236}">
-                <a16:creationId xmlns:a16="http://schemas.microsoft.com/office/drawing/2014/main" xmlns="" id="{175430B9-2A05-4DA3-B83C-29F82BECFF17}"/>
+                <a16:creationId xmlns="" xmlns:a16="http://schemas.microsoft.com/office/drawing/2014/main" id="{175430B9-2A05-4DA3-B83C-29F82BECFF17}"/>
               </a:ext>
             </a:extLst>
           </p:cNvPr>
@@ -20806,7 +20806,7 @@
           <p:cNvPr id="15" name="Rectangle 14">
             <a:extLst>
               <a:ext uri="{FF2B5EF4-FFF2-40B4-BE49-F238E27FC236}">
-                <a16:creationId xmlns:a16="http://schemas.microsoft.com/office/drawing/2014/main" xmlns="" id="{72CD61B8-ADD3-4926-BABD-F8D8343F8A25}"/>
+                <a16:creationId xmlns="" xmlns:a16="http://schemas.microsoft.com/office/drawing/2014/main" id="{72CD61B8-ADD3-4926-BABD-F8D8343F8A25}"/>
               </a:ext>
             </a:extLst>
           </p:cNvPr>
@@ -20856,7 +20856,7 @@
           <p:cNvPr id="17" name="Straight Arrow Connector 16">
             <a:extLst>
               <a:ext uri="{FF2B5EF4-FFF2-40B4-BE49-F238E27FC236}">
-                <a16:creationId xmlns:a16="http://schemas.microsoft.com/office/drawing/2014/main" xmlns="" id="{8EB18534-4DE5-43A3-B4CC-29FA5288B553}"/>
+                <a16:creationId xmlns="" xmlns:a16="http://schemas.microsoft.com/office/drawing/2014/main" id="{8EB18534-4DE5-43A3-B4CC-29FA5288B553}"/>
               </a:ext>
             </a:extLst>
           </p:cNvPr>
@@ -20894,7 +20894,7 @@
           <p:cNvPr id="19" name="Rectangle 18">
             <a:extLst>
               <a:ext uri="{FF2B5EF4-FFF2-40B4-BE49-F238E27FC236}">
-                <a16:creationId xmlns:a16="http://schemas.microsoft.com/office/drawing/2014/main" xmlns="" id="{AF1F8309-A4E5-4D9A-A702-55F3EB4E4E45}"/>
+                <a16:creationId xmlns="" xmlns:a16="http://schemas.microsoft.com/office/drawing/2014/main" id="{AF1F8309-A4E5-4D9A-A702-55F3EB4E4E45}"/>
               </a:ext>
             </a:extLst>
           </p:cNvPr>
@@ -20944,7 +20944,7 @@
           <p:cNvPr id="21" name="Diamond 20">
             <a:extLst>
               <a:ext uri="{FF2B5EF4-FFF2-40B4-BE49-F238E27FC236}">
-                <a16:creationId xmlns:a16="http://schemas.microsoft.com/office/drawing/2014/main" xmlns="" id="{1881F132-F5BE-4F75-AC66-678106150110}"/>
+                <a16:creationId xmlns="" xmlns:a16="http://schemas.microsoft.com/office/drawing/2014/main" id="{1881F132-F5BE-4F75-AC66-678106150110}"/>
               </a:ext>
             </a:extLst>
           </p:cNvPr>
@@ -20994,7 +20994,7 @@
           <p:cNvPr id="23" name="Straight Arrow Connector 22">
             <a:extLst>
               <a:ext uri="{FF2B5EF4-FFF2-40B4-BE49-F238E27FC236}">
-                <a16:creationId xmlns:a16="http://schemas.microsoft.com/office/drawing/2014/main" xmlns="" id="{DC288AA4-3D2B-4C70-B746-E5BCF7CB5B94}"/>
+                <a16:creationId xmlns="" xmlns:a16="http://schemas.microsoft.com/office/drawing/2014/main" id="{DC288AA4-3D2B-4C70-B746-E5BCF7CB5B94}"/>
               </a:ext>
             </a:extLst>
           </p:cNvPr>
@@ -21030,7 +21030,7 @@
           <p:cNvPr id="25" name="Rectangle 24">
             <a:extLst>
               <a:ext uri="{FF2B5EF4-FFF2-40B4-BE49-F238E27FC236}">
-                <a16:creationId xmlns:a16="http://schemas.microsoft.com/office/drawing/2014/main" xmlns="" id="{BE657D33-F260-497E-8272-7FEBE21DA373}"/>
+                <a16:creationId xmlns="" xmlns:a16="http://schemas.microsoft.com/office/drawing/2014/main" id="{BE657D33-F260-497E-8272-7FEBE21DA373}"/>
               </a:ext>
             </a:extLst>
           </p:cNvPr>
@@ -21080,7 +21080,7 @@
           <p:cNvPr id="27" name="Straight Arrow Connector 26">
             <a:extLst>
               <a:ext uri="{FF2B5EF4-FFF2-40B4-BE49-F238E27FC236}">
-                <a16:creationId xmlns:a16="http://schemas.microsoft.com/office/drawing/2014/main" xmlns="" id="{E150476E-2686-4065-B5A1-175F1C86C152}"/>
+                <a16:creationId xmlns="" xmlns:a16="http://schemas.microsoft.com/office/drawing/2014/main" id="{E150476E-2686-4065-B5A1-175F1C86C152}"/>
               </a:ext>
             </a:extLst>
           </p:cNvPr>
@@ -21119,7 +21119,7 @@
           <p:cNvPr id="29" name="Rectangle 28">
             <a:extLst>
               <a:ext uri="{FF2B5EF4-FFF2-40B4-BE49-F238E27FC236}">
-                <a16:creationId xmlns:a16="http://schemas.microsoft.com/office/drawing/2014/main" xmlns="" id="{812FB36F-0378-4A0A-9016-D9C2D10CE902}"/>
+                <a16:creationId xmlns="" xmlns:a16="http://schemas.microsoft.com/office/drawing/2014/main" id="{812FB36F-0378-4A0A-9016-D9C2D10CE902}"/>
               </a:ext>
             </a:extLst>
           </p:cNvPr>
@@ -21169,7 +21169,7 @@
           <p:cNvPr id="31" name="Diamond 30">
             <a:extLst>
               <a:ext uri="{FF2B5EF4-FFF2-40B4-BE49-F238E27FC236}">
-                <a16:creationId xmlns:a16="http://schemas.microsoft.com/office/drawing/2014/main" xmlns="" id="{8359C1EC-2F5C-4DAF-A571-2F3E9E95AB4E}"/>
+                <a16:creationId xmlns="" xmlns:a16="http://schemas.microsoft.com/office/drawing/2014/main" id="{8359C1EC-2F5C-4DAF-A571-2F3E9E95AB4E}"/>
               </a:ext>
             </a:extLst>
           </p:cNvPr>
@@ -21225,7 +21225,7 @@
           <p:cNvPr id="33" name="Straight Arrow Connector 32">
             <a:extLst>
               <a:ext uri="{FF2B5EF4-FFF2-40B4-BE49-F238E27FC236}">
-                <a16:creationId xmlns:a16="http://schemas.microsoft.com/office/drawing/2014/main" xmlns="" id="{3B9C4330-278A-4C35-AF30-DF1CDD88E2D7}"/>
+                <a16:creationId xmlns="" xmlns:a16="http://schemas.microsoft.com/office/drawing/2014/main" id="{3B9C4330-278A-4C35-AF30-DF1CDD88E2D7}"/>
               </a:ext>
             </a:extLst>
           </p:cNvPr>
@@ -21263,7 +21263,7 @@
           <p:cNvPr id="4" name="TextBox 3">
             <a:extLst>
               <a:ext uri="{FF2B5EF4-FFF2-40B4-BE49-F238E27FC236}">
-                <a16:creationId xmlns:a16="http://schemas.microsoft.com/office/drawing/2014/main" xmlns="" id="{8B62B54C-CD7C-443F-8A86-13F2F68C3FFC}"/>
+                <a16:creationId xmlns="" xmlns:a16="http://schemas.microsoft.com/office/drawing/2014/main" id="{8B62B54C-CD7C-443F-8A86-13F2F68C3FFC}"/>
               </a:ext>
             </a:extLst>
           </p:cNvPr>
@@ -21304,7 +21304,7 @@
           <p:cNvPr id="20" name="TextBox 19">
             <a:extLst>
               <a:ext uri="{FF2B5EF4-FFF2-40B4-BE49-F238E27FC236}">
-                <a16:creationId xmlns:a16="http://schemas.microsoft.com/office/drawing/2014/main" xmlns="" id="{BF11A06D-38EC-4B9F-A9C6-ACD9F6463F07}"/>
+                <a16:creationId xmlns="" xmlns:a16="http://schemas.microsoft.com/office/drawing/2014/main" id="{BF11A06D-38EC-4B9F-A9C6-ACD9F6463F07}"/>
               </a:ext>
             </a:extLst>
           </p:cNvPr>
@@ -21346,7 +21346,7 @@
           <p:cNvPr id="6" name="TextBox 5">
             <a:extLst>
               <a:ext uri="{FF2B5EF4-FFF2-40B4-BE49-F238E27FC236}">
-                <a16:creationId xmlns:a16="http://schemas.microsoft.com/office/drawing/2014/main" xmlns="" id="{FB030ECF-D2F4-4319-B2D4-849374B95630}"/>
+                <a16:creationId xmlns="" xmlns:a16="http://schemas.microsoft.com/office/drawing/2014/main" id="{FB030ECF-D2F4-4319-B2D4-849374B95630}"/>
               </a:ext>
             </a:extLst>
           </p:cNvPr>
@@ -21385,7 +21385,7 @@
           <p:cNvPr id="22" name="TextBox 21">
             <a:extLst>
               <a:ext uri="{FF2B5EF4-FFF2-40B4-BE49-F238E27FC236}">
-                <a16:creationId xmlns:a16="http://schemas.microsoft.com/office/drawing/2014/main" xmlns="" id="{79103F9A-227B-4A12-A662-84464C783409}"/>
+                <a16:creationId xmlns="" xmlns:a16="http://schemas.microsoft.com/office/drawing/2014/main" id="{79103F9A-227B-4A12-A662-84464C783409}"/>
               </a:ext>
             </a:extLst>
           </p:cNvPr>
@@ -21424,7 +21424,7 @@
           <p:cNvPr id="24" name="TextBox 23">
             <a:extLst>
               <a:ext uri="{FF2B5EF4-FFF2-40B4-BE49-F238E27FC236}">
-                <a16:creationId xmlns:a16="http://schemas.microsoft.com/office/drawing/2014/main" xmlns="" id="{E59BB1C1-BED3-4F74-95CA-F88C17E8F8FA}"/>
+                <a16:creationId xmlns="" xmlns:a16="http://schemas.microsoft.com/office/drawing/2014/main" id="{E59BB1C1-BED3-4F74-95CA-F88C17E8F8FA}"/>
               </a:ext>
             </a:extLst>
           </p:cNvPr>
@@ -21463,7 +21463,7 @@
           <p:cNvPr id="26" name="TextBox 25">
             <a:extLst>
               <a:ext uri="{FF2B5EF4-FFF2-40B4-BE49-F238E27FC236}">
-                <a16:creationId xmlns:a16="http://schemas.microsoft.com/office/drawing/2014/main" xmlns="" id="{0B4C5379-AEC8-4AB1-B9FC-3330D5A488C7}"/>
+                <a16:creationId xmlns="" xmlns:a16="http://schemas.microsoft.com/office/drawing/2014/main" id="{0B4C5379-AEC8-4AB1-B9FC-3330D5A488C7}"/>
               </a:ext>
             </a:extLst>
           </p:cNvPr>
@@ -21502,7 +21502,7 @@
           <p:cNvPr id="28" name="Straight Arrow Connector 27">
             <a:extLst>
               <a:ext uri="{FF2B5EF4-FFF2-40B4-BE49-F238E27FC236}">
-                <a16:creationId xmlns:a16="http://schemas.microsoft.com/office/drawing/2014/main" xmlns="" id="{216788ED-5481-484A-AE57-3FFE00F532FB}"/>
+                <a16:creationId xmlns="" xmlns:a16="http://schemas.microsoft.com/office/drawing/2014/main" id="{216788ED-5481-484A-AE57-3FFE00F532FB}"/>
               </a:ext>
             </a:extLst>
           </p:cNvPr>
@@ -21540,7 +21540,7 @@
           <p:cNvPr id="30" name="Straight Arrow Connector 29">
             <a:extLst>
               <a:ext uri="{FF2B5EF4-FFF2-40B4-BE49-F238E27FC236}">
-                <a16:creationId xmlns:a16="http://schemas.microsoft.com/office/drawing/2014/main" xmlns="" id="{106129B4-01FE-460C-85F2-6870279D9B1C}"/>
+                <a16:creationId xmlns="" xmlns:a16="http://schemas.microsoft.com/office/drawing/2014/main" id="{106129B4-01FE-460C-85F2-6870279D9B1C}"/>
               </a:ext>
             </a:extLst>
           </p:cNvPr>
@@ -21578,7 +21578,7 @@
           <p:cNvPr id="32" name="Straight Arrow Connector 31">
             <a:extLst>
               <a:ext uri="{FF2B5EF4-FFF2-40B4-BE49-F238E27FC236}">
-                <a16:creationId xmlns:a16="http://schemas.microsoft.com/office/drawing/2014/main" xmlns="" id="{A27EC5CF-A78A-486D-AAE9-3FE6EC673C80}"/>
+                <a16:creationId xmlns="" xmlns:a16="http://schemas.microsoft.com/office/drawing/2014/main" id="{A27EC5CF-A78A-486D-AAE9-3FE6EC673C80}"/>
               </a:ext>
             </a:extLst>
           </p:cNvPr>
@@ -21616,7 +21616,7 @@
           <p:cNvPr id="34" name="Straight Arrow Connector 33">
             <a:extLst>
               <a:ext uri="{FF2B5EF4-FFF2-40B4-BE49-F238E27FC236}">
-                <a16:creationId xmlns:a16="http://schemas.microsoft.com/office/drawing/2014/main" xmlns="" id="{2A3F07EA-988A-4991-A06D-46601F1EEEE5}"/>
+                <a16:creationId xmlns="" xmlns:a16="http://schemas.microsoft.com/office/drawing/2014/main" id="{2A3F07EA-988A-4991-A06D-46601F1EEEE5}"/>
               </a:ext>
             </a:extLst>
           </p:cNvPr>
@@ -21654,7 +21654,7 @@
           <p:cNvPr id="35" name="Straight Arrow Connector 34">
             <a:extLst>
               <a:ext uri="{FF2B5EF4-FFF2-40B4-BE49-F238E27FC236}">
-                <a16:creationId xmlns:a16="http://schemas.microsoft.com/office/drawing/2014/main" xmlns="" id="{4890D78B-BCE1-49E7-847B-2C510F33E4C1}"/>
+                <a16:creationId xmlns="" xmlns:a16="http://schemas.microsoft.com/office/drawing/2014/main" id="{4890D78B-BCE1-49E7-847B-2C510F33E4C1}"/>
               </a:ext>
             </a:extLst>
           </p:cNvPr>
@@ -21722,7 +21722,7 @@
           <p:cNvPr id="2" name="Title 1">
             <a:extLst>
               <a:ext uri="{FF2B5EF4-FFF2-40B4-BE49-F238E27FC236}">
-                <a16:creationId xmlns:a16="http://schemas.microsoft.com/office/drawing/2014/main" xmlns="" id="{302B512D-4B57-40E2-9F12-564769C3E338}"/>
+                <a16:creationId xmlns="" xmlns:a16="http://schemas.microsoft.com/office/drawing/2014/main" id="{302B512D-4B57-40E2-9F12-564769C3E338}"/>
               </a:ext>
             </a:extLst>
           </p:cNvPr>
@@ -21750,7 +21750,7 @@
           <p:cNvPr id="3" name="Content Placeholder 2">
             <a:extLst>
               <a:ext uri="{FF2B5EF4-FFF2-40B4-BE49-F238E27FC236}">
-                <a16:creationId xmlns:a16="http://schemas.microsoft.com/office/drawing/2014/main" xmlns="" id="{CDFF5AEC-34D7-4AF8-954F-9AA2504D48E2}"/>
+                <a16:creationId xmlns="" xmlns:a16="http://schemas.microsoft.com/office/drawing/2014/main" id="{CDFF5AEC-34D7-4AF8-954F-9AA2504D48E2}"/>
               </a:ext>
             </a:extLst>
           </p:cNvPr>
@@ -21827,7 +21827,7 @@
           <p:cNvPr id="4" name="Rectangle 3">
             <a:extLst>
               <a:ext uri="{FF2B5EF4-FFF2-40B4-BE49-F238E27FC236}">
-                <a16:creationId xmlns:a16="http://schemas.microsoft.com/office/drawing/2014/main" xmlns="" id="{AAB6628A-8496-4BFD-B723-5953520D95D7}"/>
+                <a16:creationId xmlns="" xmlns:a16="http://schemas.microsoft.com/office/drawing/2014/main" id="{AAB6628A-8496-4BFD-B723-5953520D95D7}"/>
               </a:ext>
             </a:extLst>
           </p:cNvPr>
@@ -21877,7 +21877,7 @@
           <p:cNvPr id="5" name="Rectangle 4">
             <a:extLst>
               <a:ext uri="{FF2B5EF4-FFF2-40B4-BE49-F238E27FC236}">
-                <a16:creationId xmlns:a16="http://schemas.microsoft.com/office/drawing/2014/main" xmlns="" id="{BBDAC457-9197-4FF7-AEE1-F219E1E4EB32}"/>
+                <a16:creationId xmlns="" xmlns:a16="http://schemas.microsoft.com/office/drawing/2014/main" id="{BBDAC457-9197-4FF7-AEE1-F219E1E4EB32}"/>
               </a:ext>
             </a:extLst>
           </p:cNvPr>
@@ -21927,7 +21927,7 @@
           <p:cNvPr id="6" name="Diamond 5">
             <a:extLst>
               <a:ext uri="{FF2B5EF4-FFF2-40B4-BE49-F238E27FC236}">
-                <a16:creationId xmlns:a16="http://schemas.microsoft.com/office/drawing/2014/main" xmlns="" id="{E459A34D-9B0C-4FCF-BD93-B13977C4D1EA}"/>
+                <a16:creationId xmlns="" xmlns:a16="http://schemas.microsoft.com/office/drawing/2014/main" id="{E459A34D-9B0C-4FCF-BD93-B13977C4D1EA}"/>
               </a:ext>
             </a:extLst>
           </p:cNvPr>
@@ -21980,7 +21980,7 @@
           <p:cNvPr id="8" name="Straight Connector 7">
             <a:extLst>
               <a:ext uri="{FF2B5EF4-FFF2-40B4-BE49-F238E27FC236}">
-                <a16:creationId xmlns:a16="http://schemas.microsoft.com/office/drawing/2014/main" xmlns="" id="{9B18D7E3-CDF4-49DC-967D-A1C4FAFC0607}"/>
+                <a16:creationId xmlns="" xmlns:a16="http://schemas.microsoft.com/office/drawing/2014/main" id="{9B18D7E3-CDF4-49DC-967D-A1C4FAFC0607}"/>
               </a:ext>
             </a:extLst>
           </p:cNvPr>
@@ -22019,7 +22019,7 @@
           <p:cNvPr id="9" name="Straight Connector 8">
             <a:extLst>
               <a:ext uri="{FF2B5EF4-FFF2-40B4-BE49-F238E27FC236}">
-                <a16:creationId xmlns:a16="http://schemas.microsoft.com/office/drawing/2014/main" xmlns="" id="{DF6FE6A8-1BAE-4E85-912C-CE5EA2DB679A}"/>
+                <a16:creationId xmlns="" xmlns:a16="http://schemas.microsoft.com/office/drawing/2014/main" id="{DF6FE6A8-1BAE-4E85-912C-CE5EA2DB679A}"/>
               </a:ext>
             </a:extLst>
           </p:cNvPr>
@@ -22058,7 +22058,7 @@
           <p:cNvPr id="11" name="Straight Connector 10">
             <a:extLst>
               <a:ext uri="{FF2B5EF4-FFF2-40B4-BE49-F238E27FC236}">
-                <a16:creationId xmlns:a16="http://schemas.microsoft.com/office/drawing/2014/main" xmlns="" id="{0EFAC185-2C6C-42F8-BF86-99F7C1ED85DA}"/>
+                <a16:creationId xmlns="" xmlns:a16="http://schemas.microsoft.com/office/drawing/2014/main" id="{0EFAC185-2C6C-42F8-BF86-99F7C1ED85DA}"/>
               </a:ext>
             </a:extLst>
           </p:cNvPr>
@@ -22096,7 +22096,7 @@
           <p:cNvPr id="13" name="Oval 12">
             <a:extLst>
               <a:ext uri="{FF2B5EF4-FFF2-40B4-BE49-F238E27FC236}">
-                <a16:creationId xmlns:a16="http://schemas.microsoft.com/office/drawing/2014/main" xmlns="" id="{80399C7F-858B-4C7F-9A14-E412F18DF39D}"/>
+                <a16:creationId xmlns="" xmlns:a16="http://schemas.microsoft.com/office/drawing/2014/main" id="{80399C7F-858B-4C7F-9A14-E412F18DF39D}"/>
               </a:ext>
             </a:extLst>
           </p:cNvPr>
@@ -22173,7 +22173,7 @@
           <p:cNvPr id="2" name="Title 1">
             <a:extLst>
               <a:ext uri="{FF2B5EF4-FFF2-40B4-BE49-F238E27FC236}">
-                <a16:creationId xmlns:a16="http://schemas.microsoft.com/office/drawing/2014/main" xmlns="" id="{370CB698-6DF2-40CC-8A25-CB229485F51E}"/>
+                <a16:creationId xmlns="" xmlns:a16="http://schemas.microsoft.com/office/drawing/2014/main" id="{370CB698-6DF2-40CC-8A25-CB229485F51E}"/>
               </a:ext>
             </a:extLst>
           </p:cNvPr>
@@ -22204,7 +22204,7 @@
           <p:cNvPr id="3" name="Content Placeholder 2">
             <a:extLst>
               <a:ext uri="{FF2B5EF4-FFF2-40B4-BE49-F238E27FC236}">
-                <a16:creationId xmlns:a16="http://schemas.microsoft.com/office/drawing/2014/main" xmlns="" id="{47D687C1-6C06-40DA-8ED5-51F73B970A0C}"/>
+                <a16:creationId xmlns="" xmlns:a16="http://schemas.microsoft.com/office/drawing/2014/main" id="{47D687C1-6C06-40DA-8ED5-51F73B970A0C}"/>
               </a:ext>
             </a:extLst>
           </p:cNvPr>
@@ -22237,7 +22237,7 @@
           <p:cNvPr id="4" name="Rectangle 3">
             <a:extLst>
               <a:ext uri="{FF2B5EF4-FFF2-40B4-BE49-F238E27FC236}">
-                <a16:creationId xmlns:a16="http://schemas.microsoft.com/office/drawing/2014/main" xmlns="" id="{08EFFF13-5A63-4A7E-BFFB-B7CAFEC35B01}"/>
+                <a16:creationId xmlns="" xmlns:a16="http://schemas.microsoft.com/office/drawing/2014/main" id="{08EFFF13-5A63-4A7E-BFFB-B7CAFEC35B01}"/>
               </a:ext>
             </a:extLst>
           </p:cNvPr>
@@ -22287,7 +22287,7 @@
           <p:cNvPr id="5" name="Diamond 4">
             <a:extLst>
               <a:ext uri="{FF2B5EF4-FFF2-40B4-BE49-F238E27FC236}">
-                <a16:creationId xmlns:a16="http://schemas.microsoft.com/office/drawing/2014/main" xmlns="" id="{4B7E502B-7BFF-4AD7-8BFF-20FCAC01A49C}"/>
+                <a16:creationId xmlns="" xmlns:a16="http://schemas.microsoft.com/office/drawing/2014/main" id="{4B7E502B-7BFF-4AD7-8BFF-20FCAC01A49C}"/>
               </a:ext>
             </a:extLst>
           </p:cNvPr>
@@ -22337,7 +22337,7 @@
           <p:cNvPr id="6" name="Straight Arrow Connector 5">
             <a:extLst>
               <a:ext uri="{FF2B5EF4-FFF2-40B4-BE49-F238E27FC236}">
-                <a16:creationId xmlns:a16="http://schemas.microsoft.com/office/drawing/2014/main" xmlns="" id="{AE6F1AF2-450C-4845-B27A-5B7BA495A624}"/>
+                <a16:creationId xmlns="" xmlns:a16="http://schemas.microsoft.com/office/drawing/2014/main" id="{AE6F1AF2-450C-4845-B27A-5B7BA495A624}"/>
               </a:ext>
             </a:extLst>
           </p:cNvPr>
@@ -22373,7 +22373,7 @@
           <p:cNvPr id="7" name="Straight Arrow Connector 6">
             <a:extLst>
               <a:ext uri="{FF2B5EF4-FFF2-40B4-BE49-F238E27FC236}">
-                <a16:creationId xmlns:a16="http://schemas.microsoft.com/office/drawing/2014/main" xmlns="" id="{EEDD4C8C-0E2A-4330-A895-D19EF23F14D5}"/>
+                <a16:creationId xmlns="" xmlns:a16="http://schemas.microsoft.com/office/drawing/2014/main" id="{EEDD4C8C-0E2A-4330-A895-D19EF23F14D5}"/>
               </a:ext>
             </a:extLst>
           </p:cNvPr>
@@ -22409,7 +22409,7 @@
           <p:cNvPr id="8" name="Straight Arrow Connector 7">
             <a:extLst>
               <a:ext uri="{FF2B5EF4-FFF2-40B4-BE49-F238E27FC236}">
-                <a16:creationId xmlns:a16="http://schemas.microsoft.com/office/drawing/2014/main" xmlns="" id="{A949BFDE-B630-4555-B515-FEA1972EF47F}"/>
+                <a16:creationId xmlns="" xmlns:a16="http://schemas.microsoft.com/office/drawing/2014/main" id="{A949BFDE-B630-4555-B515-FEA1972EF47F}"/>
               </a:ext>
             </a:extLst>
           </p:cNvPr>
@@ -22445,7 +22445,7 @@
           <p:cNvPr id="9" name="Straight Arrow Connector 8">
             <a:extLst>
               <a:ext uri="{FF2B5EF4-FFF2-40B4-BE49-F238E27FC236}">
-                <a16:creationId xmlns:a16="http://schemas.microsoft.com/office/drawing/2014/main" xmlns="" id="{507F83FB-588F-405F-B365-E4C8B762A5B3}"/>
+                <a16:creationId xmlns="" xmlns:a16="http://schemas.microsoft.com/office/drawing/2014/main" id="{507F83FB-588F-405F-B365-E4C8B762A5B3}"/>
               </a:ext>
             </a:extLst>
           </p:cNvPr>
@@ -22483,7 +22483,7 @@
           <p:cNvPr id="10" name="Straight Arrow Connector 9">
             <a:extLst>
               <a:ext uri="{FF2B5EF4-FFF2-40B4-BE49-F238E27FC236}">
-                <a16:creationId xmlns:a16="http://schemas.microsoft.com/office/drawing/2014/main" xmlns="" id="{B9B03DA2-B587-4FAF-BF26-B4E380F8F595}"/>
+                <a16:creationId xmlns="" xmlns:a16="http://schemas.microsoft.com/office/drawing/2014/main" id="{B9B03DA2-B587-4FAF-BF26-B4E380F8F595}"/>
               </a:ext>
             </a:extLst>
           </p:cNvPr>
@@ -22521,7 +22521,7 @@
           <p:cNvPr id="11" name="TextBox 10">
             <a:extLst>
               <a:ext uri="{FF2B5EF4-FFF2-40B4-BE49-F238E27FC236}">
-                <a16:creationId xmlns:a16="http://schemas.microsoft.com/office/drawing/2014/main" xmlns="" id="{4B1CA98D-3528-48D3-94FD-C4733012E32B}"/>
+                <a16:creationId xmlns="" xmlns:a16="http://schemas.microsoft.com/office/drawing/2014/main" id="{4B1CA98D-3528-48D3-94FD-C4733012E32B}"/>
               </a:ext>
             </a:extLst>
           </p:cNvPr>
@@ -22564,7 +22564,7 @@
           <p:cNvPr id="12" name="TextBox 11">
             <a:extLst>
               <a:ext uri="{FF2B5EF4-FFF2-40B4-BE49-F238E27FC236}">
-                <a16:creationId xmlns:a16="http://schemas.microsoft.com/office/drawing/2014/main" xmlns="" id="{E02F9980-C771-47CA-B864-6754F137B774}"/>
+                <a16:creationId xmlns="" xmlns:a16="http://schemas.microsoft.com/office/drawing/2014/main" id="{E02F9980-C771-47CA-B864-6754F137B774}"/>
               </a:ext>
             </a:extLst>
           </p:cNvPr>
@@ -22603,7 +22603,7 @@
           <p:cNvPr id="13" name="TextBox 12">
             <a:extLst>
               <a:ext uri="{FF2B5EF4-FFF2-40B4-BE49-F238E27FC236}">
-                <a16:creationId xmlns:a16="http://schemas.microsoft.com/office/drawing/2014/main" xmlns="" id="{7AAE8D01-FE08-46DE-875D-479765763898}"/>
+                <a16:creationId xmlns="" xmlns:a16="http://schemas.microsoft.com/office/drawing/2014/main" id="{7AAE8D01-FE08-46DE-875D-479765763898}"/>
               </a:ext>
             </a:extLst>
           </p:cNvPr>
@@ -22642,7 +22642,7 @@
           <p:cNvPr id="14" name="TextBox 13">
             <a:extLst>
               <a:ext uri="{FF2B5EF4-FFF2-40B4-BE49-F238E27FC236}">
-                <a16:creationId xmlns:a16="http://schemas.microsoft.com/office/drawing/2014/main" xmlns="" id="{1A53EC40-08D0-45FB-9CA4-3E65B006D9AE}"/>
+                <a16:creationId xmlns="" xmlns:a16="http://schemas.microsoft.com/office/drawing/2014/main" id="{1A53EC40-08D0-45FB-9CA4-3E65B006D9AE}"/>
               </a:ext>
             </a:extLst>
           </p:cNvPr>
@@ -22681,7 +22681,7 @@
           <p:cNvPr id="15" name="Straight Arrow Connector 14">
             <a:extLst>
               <a:ext uri="{FF2B5EF4-FFF2-40B4-BE49-F238E27FC236}">
-                <a16:creationId xmlns:a16="http://schemas.microsoft.com/office/drawing/2014/main" xmlns="" id="{B021ECE1-553D-45D4-88C8-1F4DF11E1228}"/>
+                <a16:creationId xmlns="" xmlns:a16="http://schemas.microsoft.com/office/drawing/2014/main" id="{B021ECE1-553D-45D4-88C8-1F4DF11E1228}"/>
               </a:ext>
             </a:extLst>
           </p:cNvPr>
@@ -22719,7 +22719,7 @@
           <p:cNvPr id="16" name="Straight Arrow Connector 15">
             <a:extLst>
               <a:ext uri="{FF2B5EF4-FFF2-40B4-BE49-F238E27FC236}">
-                <a16:creationId xmlns:a16="http://schemas.microsoft.com/office/drawing/2014/main" xmlns="" id="{1677922D-002E-4F80-A75F-992330CB774E}"/>
+                <a16:creationId xmlns="" xmlns:a16="http://schemas.microsoft.com/office/drawing/2014/main" id="{1677922D-002E-4F80-A75F-992330CB774E}"/>
               </a:ext>
             </a:extLst>
           </p:cNvPr>
@@ -22757,7 +22757,7 @@
           <p:cNvPr id="17" name="Straight Arrow Connector 16">
             <a:extLst>
               <a:ext uri="{FF2B5EF4-FFF2-40B4-BE49-F238E27FC236}">
-                <a16:creationId xmlns:a16="http://schemas.microsoft.com/office/drawing/2014/main" xmlns="" id="{7BA6CE63-581A-4271-892D-DFEA58DC2E00}"/>
+                <a16:creationId xmlns="" xmlns:a16="http://schemas.microsoft.com/office/drawing/2014/main" id="{7BA6CE63-581A-4271-892D-DFEA58DC2E00}"/>
               </a:ext>
             </a:extLst>
           </p:cNvPr>
@@ -22825,7 +22825,7 @@
           <p:cNvPr id="22" name="Rectangle 21">
             <a:extLst>
               <a:ext uri="{FF2B5EF4-FFF2-40B4-BE49-F238E27FC236}">
-                <a16:creationId xmlns:a16="http://schemas.microsoft.com/office/drawing/2014/main" xmlns="" id="{B13B2E48-42A2-405A-98FA-586BF705D5E9}"/>
+                <a16:creationId xmlns="" xmlns:a16="http://schemas.microsoft.com/office/drawing/2014/main" id="{B13B2E48-42A2-405A-98FA-586BF705D5E9}"/>
               </a:ext>
             </a:extLst>
           </p:cNvPr>
@@ -22869,7 +22869,7 @@
           <p:cNvPr id="21" name="Diamond 20">
             <a:extLst>
               <a:ext uri="{FF2B5EF4-FFF2-40B4-BE49-F238E27FC236}">
-                <a16:creationId xmlns:a16="http://schemas.microsoft.com/office/drawing/2014/main" xmlns="" id="{174F417A-F394-4E61-AD21-06FEAB400007}"/>
+                <a16:creationId xmlns="" xmlns:a16="http://schemas.microsoft.com/office/drawing/2014/main" id="{174F417A-F394-4E61-AD21-06FEAB400007}"/>
               </a:ext>
             </a:extLst>
           </p:cNvPr>
@@ -22913,7 +22913,7 @@
           <p:cNvPr id="2" name="Title 1">
             <a:extLst>
               <a:ext uri="{FF2B5EF4-FFF2-40B4-BE49-F238E27FC236}">
-                <a16:creationId xmlns:a16="http://schemas.microsoft.com/office/drawing/2014/main" xmlns="" id="{340D68B8-AC1B-417D-9DE6-52B9DEDF4DB4}"/>
+                <a16:creationId xmlns="" xmlns:a16="http://schemas.microsoft.com/office/drawing/2014/main" id="{340D68B8-AC1B-417D-9DE6-52B9DEDF4DB4}"/>
               </a:ext>
             </a:extLst>
           </p:cNvPr>
@@ -22944,7 +22944,7 @@
           <p:cNvPr id="3" name="Content Placeholder 2">
             <a:extLst>
               <a:ext uri="{FF2B5EF4-FFF2-40B4-BE49-F238E27FC236}">
-                <a16:creationId xmlns:a16="http://schemas.microsoft.com/office/drawing/2014/main" xmlns="" id="{D73BA116-1AF9-47CA-8863-4270D9DC8C26}"/>
+                <a16:creationId xmlns="" xmlns:a16="http://schemas.microsoft.com/office/drawing/2014/main" id="{D73BA116-1AF9-47CA-8863-4270D9DC8C26}"/>
               </a:ext>
             </a:extLst>
           </p:cNvPr>
@@ -22993,7 +22993,7 @@
           <p:cNvPr id="5" name="Rectangle 4">
             <a:extLst>
               <a:ext uri="{FF2B5EF4-FFF2-40B4-BE49-F238E27FC236}">
-                <a16:creationId xmlns:a16="http://schemas.microsoft.com/office/drawing/2014/main" xmlns="" id="{21BEDB8D-0EA8-4B24-B0C8-6043B2B69EC7}"/>
+                <a16:creationId xmlns="" xmlns:a16="http://schemas.microsoft.com/office/drawing/2014/main" id="{21BEDB8D-0EA8-4B24-B0C8-6043B2B69EC7}"/>
               </a:ext>
             </a:extLst>
           </p:cNvPr>
@@ -23043,7 +23043,7 @@
           <p:cNvPr id="7" name="Rectangle 6">
             <a:extLst>
               <a:ext uri="{FF2B5EF4-FFF2-40B4-BE49-F238E27FC236}">
-                <a16:creationId xmlns:a16="http://schemas.microsoft.com/office/drawing/2014/main" xmlns="" id="{9E50EE87-B706-42A4-9C50-6437453EBA4C}"/>
+                <a16:creationId xmlns="" xmlns:a16="http://schemas.microsoft.com/office/drawing/2014/main" id="{9E50EE87-B706-42A4-9C50-6437453EBA4C}"/>
               </a:ext>
             </a:extLst>
           </p:cNvPr>
@@ -23093,7 +23093,7 @@
           <p:cNvPr id="9" name="Diamond 8">
             <a:extLst>
               <a:ext uri="{FF2B5EF4-FFF2-40B4-BE49-F238E27FC236}">
-                <a16:creationId xmlns:a16="http://schemas.microsoft.com/office/drawing/2014/main" xmlns="" id="{25142766-87E5-4D4D-9D8E-59E204282EF8}"/>
+                <a16:creationId xmlns="" xmlns:a16="http://schemas.microsoft.com/office/drawing/2014/main" id="{25142766-87E5-4D4D-9D8E-59E204282EF8}"/>
               </a:ext>
             </a:extLst>
           </p:cNvPr>
@@ -23143,7 +23143,7 @@
           <p:cNvPr id="15" name="Straight Arrow Connector 14">
             <a:extLst>
               <a:ext uri="{FF2B5EF4-FFF2-40B4-BE49-F238E27FC236}">
-                <a16:creationId xmlns:a16="http://schemas.microsoft.com/office/drawing/2014/main" xmlns="" id="{E5658EA2-968E-46A9-990C-8559A648A18C}"/>
+                <a16:creationId xmlns="" xmlns:a16="http://schemas.microsoft.com/office/drawing/2014/main" id="{E5658EA2-968E-46A9-990C-8559A648A18C}"/>
               </a:ext>
             </a:extLst>
           </p:cNvPr>
@@ -23182,7 +23182,7 @@
           <p:cNvPr id="16" name="Straight Arrow Connector 15">
             <a:extLst>
               <a:ext uri="{FF2B5EF4-FFF2-40B4-BE49-F238E27FC236}">
-                <a16:creationId xmlns:a16="http://schemas.microsoft.com/office/drawing/2014/main" xmlns="" id="{EE2D0381-6B40-45C9-B872-C768BFF862AD}"/>
+                <a16:creationId xmlns="" xmlns:a16="http://schemas.microsoft.com/office/drawing/2014/main" id="{EE2D0381-6B40-45C9-B872-C768BFF862AD}"/>
               </a:ext>
             </a:extLst>
           </p:cNvPr>
@@ -23220,7 +23220,7 @@
           <p:cNvPr id="17" name="Rectangle 16">
             <a:extLst>
               <a:ext uri="{FF2B5EF4-FFF2-40B4-BE49-F238E27FC236}">
-                <a16:creationId xmlns:a16="http://schemas.microsoft.com/office/drawing/2014/main" xmlns="" id="{CFDAAB46-1FD3-424B-A607-9BF0A7C02257}"/>
+                <a16:creationId xmlns="" xmlns:a16="http://schemas.microsoft.com/office/drawing/2014/main" id="{CFDAAB46-1FD3-424B-A607-9BF0A7C02257}"/>
               </a:ext>
             </a:extLst>
           </p:cNvPr>
@@ -23270,7 +23270,7 @@
           <p:cNvPr id="18" name="Diamond 17">
             <a:extLst>
               <a:ext uri="{FF2B5EF4-FFF2-40B4-BE49-F238E27FC236}">
-                <a16:creationId xmlns:a16="http://schemas.microsoft.com/office/drawing/2014/main" xmlns="" id="{51BC1B1C-6C7E-4F85-A45A-BDBDC5485ABA}"/>
+                <a16:creationId xmlns="" xmlns:a16="http://schemas.microsoft.com/office/drawing/2014/main" id="{51BC1B1C-6C7E-4F85-A45A-BDBDC5485ABA}"/>
               </a:ext>
             </a:extLst>
           </p:cNvPr>
@@ -23319,7 +23319,7 @@
           <p:cNvPr id="19" name="Straight Arrow Connector 18">
             <a:extLst>
               <a:ext uri="{FF2B5EF4-FFF2-40B4-BE49-F238E27FC236}">
-                <a16:creationId xmlns:a16="http://schemas.microsoft.com/office/drawing/2014/main" xmlns="" id="{114070CC-8182-441D-A359-B3571FAAD543}"/>
+                <a16:creationId xmlns="" xmlns:a16="http://schemas.microsoft.com/office/drawing/2014/main" id="{114070CC-8182-441D-A359-B3571FAAD543}"/>
               </a:ext>
             </a:extLst>
           </p:cNvPr>
@@ -23357,7 +23357,7 @@
           <p:cNvPr id="20" name="Straight Arrow Connector 19">
             <a:extLst>
               <a:ext uri="{FF2B5EF4-FFF2-40B4-BE49-F238E27FC236}">
-                <a16:creationId xmlns:a16="http://schemas.microsoft.com/office/drawing/2014/main" xmlns="" id="{D8C003AE-095A-441B-B4B7-704B61677A1D}"/>
+                <a16:creationId xmlns="" xmlns:a16="http://schemas.microsoft.com/office/drawing/2014/main" id="{D8C003AE-095A-441B-B4B7-704B61677A1D}"/>
               </a:ext>
             </a:extLst>
           </p:cNvPr>
@@ -23426,7 +23426,7 @@
           <p:cNvPr id="2" name="Title 1">
             <a:extLst>
               <a:ext uri="{FF2B5EF4-FFF2-40B4-BE49-F238E27FC236}">
-                <a16:creationId xmlns:a16="http://schemas.microsoft.com/office/drawing/2014/main" xmlns="" id="{9C029C16-0734-4FC4-81E2-28F1390E60EC}"/>
+                <a16:creationId xmlns="" xmlns:a16="http://schemas.microsoft.com/office/drawing/2014/main" id="{9C029C16-0734-4FC4-81E2-28F1390E60EC}"/>
               </a:ext>
             </a:extLst>
           </p:cNvPr>
@@ -23454,7 +23454,7 @@
           <p:cNvPr id="5" name="Picture 1029" descr="fig03_17">
             <a:extLst>
               <a:ext uri="{FF2B5EF4-FFF2-40B4-BE49-F238E27FC236}">
-                <a16:creationId xmlns:a16="http://schemas.microsoft.com/office/drawing/2014/main" xmlns="" id="{340090FD-9D1A-4948-ACCC-5F4B3F012116}"/>
+                <a16:creationId xmlns="" xmlns:a16="http://schemas.microsoft.com/office/drawing/2014/main" id="{340090FD-9D1A-4948-ACCC-5F4B3F012116}"/>
               </a:ext>
             </a:extLst>
           </p:cNvPr>
@@ -23543,7 +23543,7 @@
           <p:cNvPr id="2" name="Title 1">
             <a:extLst>
               <a:ext uri="{FF2B5EF4-FFF2-40B4-BE49-F238E27FC236}">
-                <a16:creationId xmlns:a16="http://schemas.microsoft.com/office/drawing/2014/main" xmlns="" id="{2F70CB6E-0556-49AF-897E-A28215B429F4}"/>
+                <a16:creationId xmlns="" xmlns:a16="http://schemas.microsoft.com/office/drawing/2014/main" id="{2F70CB6E-0556-49AF-897E-A28215B429F4}"/>
               </a:ext>
             </a:extLst>
           </p:cNvPr>
@@ -23580,7 +23580,7 @@
           <p:cNvPr id="3" name="Content Placeholder 2">
             <a:extLst>
               <a:ext uri="{FF2B5EF4-FFF2-40B4-BE49-F238E27FC236}">
-                <a16:creationId xmlns:a16="http://schemas.microsoft.com/office/drawing/2014/main" xmlns="" id="{1E7FC3D7-B88F-46D3-B560-009CF114ED3B}"/>
+                <a16:creationId xmlns="" xmlns:a16="http://schemas.microsoft.com/office/drawing/2014/main" id="{1E7FC3D7-B88F-46D3-B560-009CF114ED3B}"/>
               </a:ext>
             </a:extLst>
           </p:cNvPr>
@@ -23681,7 +23681,7 @@
           <p:cNvPr id="31746" name="Title 1">
             <a:extLst>
               <a:ext uri="{FF2B5EF4-FFF2-40B4-BE49-F238E27FC236}">
-                <a16:creationId xmlns:a16="http://schemas.microsoft.com/office/drawing/2014/main" xmlns="" id="{C9976274-9A63-4A39-AF26-C941993B4006}"/>
+                <a16:creationId xmlns="" xmlns:a16="http://schemas.microsoft.com/office/drawing/2014/main" id="{C9976274-9A63-4A39-AF26-C941993B4006}"/>
               </a:ext>
             </a:extLst>
           </p:cNvPr>
@@ -23765,7 +23765,7 @@
           <p:cNvPr id="3" name="Content Placeholder 2">
             <a:extLst>
               <a:ext uri="{FF2B5EF4-FFF2-40B4-BE49-F238E27FC236}">
-                <a16:creationId xmlns:a16="http://schemas.microsoft.com/office/drawing/2014/main" xmlns="" id="{D9449ACA-9B76-430A-B44F-96DCDFEFF3FE}"/>
+                <a16:creationId xmlns="" xmlns:a16="http://schemas.microsoft.com/office/drawing/2014/main" id="{D9449ACA-9B76-430A-B44F-96DCDFEFF3FE}"/>
               </a:ext>
             </a:extLst>
           </p:cNvPr>
@@ -23870,7 +23870,7 @@
           <p:cNvPr id="2" name="Title 1">
             <a:extLst>
               <a:ext uri="{FF2B5EF4-FFF2-40B4-BE49-F238E27FC236}">
-                <a16:creationId xmlns:a16="http://schemas.microsoft.com/office/drawing/2014/main" xmlns="" id="{5F0FC76C-6408-4834-904B-59EC31AECE53}"/>
+                <a16:creationId xmlns="" xmlns:a16="http://schemas.microsoft.com/office/drawing/2014/main" id="{5F0FC76C-6408-4834-904B-59EC31AECE53}"/>
               </a:ext>
             </a:extLst>
           </p:cNvPr>
@@ -23901,7 +23901,7 @@
           <p:cNvPr id="3" name="Content Placeholder 2">
             <a:extLst>
               <a:ext uri="{FF2B5EF4-FFF2-40B4-BE49-F238E27FC236}">
-                <a16:creationId xmlns:a16="http://schemas.microsoft.com/office/drawing/2014/main" xmlns="" id="{2F008EBA-E711-48BC-B06B-52C2C55F2945}"/>
+                <a16:creationId xmlns="" xmlns:a16="http://schemas.microsoft.com/office/drawing/2014/main" id="{2F008EBA-E711-48BC-B06B-52C2C55F2945}"/>
               </a:ext>
             </a:extLst>
           </p:cNvPr>
@@ -23963,7 +23963,7 @@
           <p:cNvPr id="4" name="Picture 4" descr="A close up of a logo&#10;&#10;Description generated with very high confidence">
             <a:extLst>
               <a:ext uri="{FF2B5EF4-FFF2-40B4-BE49-F238E27FC236}">
-                <a16:creationId xmlns:a16="http://schemas.microsoft.com/office/drawing/2014/main" xmlns="" id="{10F727B5-ECE3-47AB-9C63-6A31550AFFFA}"/>
+                <a16:creationId xmlns="" xmlns:a16="http://schemas.microsoft.com/office/drawing/2014/main" id="{10F727B5-ECE3-47AB-9C63-6A31550AFFFA}"/>
               </a:ext>
             </a:extLst>
           </p:cNvPr>
@@ -24023,7 +24023,7 @@
           <p:cNvPr id="2" name="Title 1">
             <a:extLst>
               <a:ext uri="{FF2B5EF4-FFF2-40B4-BE49-F238E27FC236}">
-                <a16:creationId xmlns:a16="http://schemas.microsoft.com/office/drawing/2014/main" xmlns="" id="{1AF41355-4BF2-4AE1-94EA-79F477EFA37B}"/>
+                <a16:creationId xmlns="" xmlns:a16="http://schemas.microsoft.com/office/drawing/2014/main" id="{1AF41355-4BF2-4AE1-94EA-79F477EFA37B}"/>
               </a:ext>
             </a:extLst>
           </p:cNvPr>
@@ -24089,7 +24089,7 @@
           <p:cNvPr id="2" name="Title 1">
             <a:extLst>
               <a:ext uri="{FF2B5EF4-FFF2-40B4-BE49-F238E27FC236}">
-                <a16:creationId xmlns:a16="http://schemas.microsoft.com/office/drawing/2014/main" xmlns="" id="{E6255B3E-D8AE-44D8-9212-E8CFED610899}"/>
+                <a16:creationId xmlns="" xmlns:a16="http://schemas.microsoft.com/office/drawing/2014/main" id="{E6255B3E-D8AE-44D8-9212-E8CFED610899}"/>
               </a:ext>
             </a:extLst>
           </p:cNvPr>
@@ -24120,7 +24120,7 @@
           <p:cNvPr id="3" name="Content Placeholder 2">
             <a:extLst>
               <a:ext uri="{FF2B5EF4-FFF2-40B4-BE49-F238E27FC236}">
-                <a16:creationId xmlns:a16="http://schemas.microsoft.com/office/drawing/2014/main" xmlns="" id="{CDAAC884-E9B6-45D6-9B40-637967215FFE}"/>
+                <a16:creationId xmlns="" xmlns:a16="http://schemas.microsoft.com/office/drawing/2014/main" id="{CDAAC884-E9B6-45D6-9B40-637967215FFE}"/>
               </a:ext>
             </a:extLst>
           </p:cNvPr>
@@ -24229,7 +24229,7 @@
           <p:cNvPr id="12290" name="Title 1">
             <a:extLst>
               <a:ext uri="{FF2B5EF4-FFF2-40B4-BE49-F238E27FC236}">
-                <a16:creationId xmlns:a16="http://schemas.microsoft.com/office/drawing/2014/main" xmlns="" id="{25E3CF0F-941C-464D-80D0-2BAB61C8AAF6}"/>
+                <a16:creationId xmlns="" xmlns:a16="http://schemas.microsoft.com/office/drawing/2014/main" id="{25E3CF0F-941C-464D-80D0-2BAB61C8AAF6}"/>
               </a:ext>
             </a:extLst>
           </p:cNvPr>
@@ -24257,7 +24257,7 @@
           <p:cNvPr id="12291" name="Content Placeholder 2">
             <a:extLst>
               <a:ext uri="{FF2B5EF4-FFF2-40B4-BE49-F238E27FC236}">
-                <a16:creationId xmlns:a16="http://schemas.microsoft.com/office/drawing/2014/main" xmlns="" id="{DDAE21F5-B776-4436-B94E-53587501DA28}"/>
+                <a16:creationId xmlns="" xmlns:a16="http://schemas.microsoft.com/office/drawing/2014/main" id="{DDAE21F5-B776-4436-B94E-53587501DA28}"/>
               </a:ext>
             </a:extLst>
           </p:cNvPr>
@@ -24352,7 +24352,7 @@
           <p:cNvPr id="2" name="Title 1">
             <a:extLst>
               <a:ext uri="{FF2B5EF4-FFF2-40B4-BE49-F238E27FC236}">
-                <a16:creationId xmlns:a16="http://schemas.microsoft.com/office/drawing/2014/main" xmlns="" id="{B9B1811D-5A0C-415D-BBD1-2D6313A93C5D}"/>
+                <a16:creationId xmlns="" xmlns:a16="http://schemas.microsoft.com/office/drawing/2014/main" id="{B9B1811D-5A0C-415D-BBD1-2D6313A93C5D}"/>
               </a:ext>
             </a:extLst>
           </p:cNvPr>
@@ -24387,7 +24387,7 @@
           <p:cNvPr id="4" name="Content Placeholder 3">
             <a:extLst>
               <a:ext uri="{FF2B5EF4-FFF2-40B4-BE49-F238E27FC236}">
-                <a16:creationId xmlns:a16="http://schemas.microsoft.com/office/drawing/2014/main" xmlns="" id="{1941198F-8D49-414D-A1D1-C7FFB2B46521}"/>
+                <a16:creationId xmlns="" xmlns:a16="http://schemas.microsoft.com/office/drawing/2014/main" id="{1941198F-8D49-414D-A1D1-C7FFB2B46521}"/>
               </a:ext>
             </a:extLst>
           </p:cNvPr>
@@ -24443,7 +24443,7 @@
           <p:cNvPr id="5" name="Content Placeholder 3">
             <a:extLst>
               <a:ext uri="{FF2B5EF4-FFF2-40B4-BE49-F238E27FC236}">
-                <a16:creationId xmlns:a16="http://schemas.microsoft.com/office/drawing/2014/main" xmlns="" id="{422840A7-5CE4-4459-AA3F-3ED74A0F92CF}"/>
+                <a16:creationId xmlns="" xmlns:a16="http://schemas.microsoft.com/office/drawing/2014/main" id="{422840A7-5CE4-4459-AA3F-3ED74A0F92CF}"/>
               </a:ext>
             </a:extLst>
           </p:cNvPr>
@@ -24693,7 +24693,7 @@
           <p:cNvPr id="2" name="Title 1">
             <a:extLst>
               <a:ext uri="{FF2B5EF4-FFF2-40B4-BE49-F238E27FC236}">
-                <a16:creationId xmlns:a16="http://schemas.microsoft.com/office/drawing/2014/main" xmlns="" id="{D5C80D13-B84A-4DE7-8DB4-C142CB276AE4}"/>
+                <a16:creationId xmlns="" xmlns:a16="http://schemas.microsoft.com/office/drawing/2014/main" id="{D5C80D13-B84A-4DE7-8DB4-C142CB276AE4}"/>
               </a:ext>
             </a:extLst>
           </p:cNvPr>
@@ -24721,7 +24721,7 @@
           <p:cNvPr id="3" name="Content Placeholder 2">
             <a:extLst>
               <a:ext uri="{FF2B5EF4-FFF2-40B4-BE49-F238E27FC236}">
-                <a16:creationId xmlns:a16="http://schemas.microsoft.com/office/drawing/2014/main" xmlns="" id="{A57B0099-734C-4808-9D82-5DE97421A059}"/>
+                <a16:creationId xmlns="" xmlns:a16="http://schemas.microsoft.com/office/drawing/2014/main" id="{A57B0099-734C-4808-9D82-5DE97421A059}"/>
               </a:ext>
             </a:extLst>
           </p:cNvPr>
@@ -24834,7 +24834,7 @@
           <p:cNvPr id="2" name="Title 1">
             <a:extLst>
               <a:ext uri="{FF2B5EF4-FFF2-40B4-BE49-F238E27FC236}">
-                <a16:creationId xmlns:a16="http://schemas.microsoft.com/office/drawing/2014/main" xmlns="" id="{7D6073F7-B13A-4521-9E90-EAFB8983EFD9}"/>
+                <a16:creationId xmlns="" xmlns:a16="http://schemas.microsoft.com/office/drawing/2014/main" id="{7D6073F7-B13A-4521-9E90-EAFB8983EFD9}"/>
               </a:ext>
             </a:extLst>
           </p:cNvPr>
@@ -24865,7 +24865,7 @@
           <p:cNvPr id="5" name="Content Placeholder 4">
             <a:extLst>
               <a:ext uri="{FF2B5EF4-FFF2-40B4-BE49-F238E27FC236}">
-                <a16:creationId xmlns:a16="http://schemas.microsoft.com/office/drawing/2014/main" xmlns="" id="{50D51DDE-805A-4F3B-9A9C-73B2BC61A519}"/>
+                <a16:creationId xmlns="" xmlns:a16="http://schemas.microsoft.com/office/drawing/2014/main" id="{50D51DDE-805A-4F3B-9A9C-73B2BC61A519}"/>
               </a:ext>
             </a:extLst>
           </p:cNvPr>
@@ -24926,7 +24926,7 @@
           <p:cNvPr id="4" name="Rectangle 3">
             <a:extLst>
               <a:ext uri="{FF2B5EF4-FFF2-40B4-BE49-F238E27FC236}">
-                <a16:creationId xmlns:a16="http://schemas.microsoft.com/office/drawing/2014/main" xmlns="" id="{E2D0F959-9DE9-4C77-AF70-11E317D05444}"/>
+                <a16:creationId xmlns="" xmlns:a16="http://schemas.microsoft.com/office/drawing/2014/main" id="{E2D0F959-9DE9-4C77-AF70-11E317D05444}"/>
               </a:ext>
             </a:extLst>
           </p:cNvPr>
@@ -24970,7 +24970,7 @@
           <p:cNvPr id="6" name="Rectangle 5">
             <a:extLst>
               <a:ext uri="{FF2B5EF4-FFF2-40B4-BE49-F238E27FC236}">
-                <a16:creationId xmlns:a16="http://schemas.microsoft.com/office/drawing/2014/main" xmlns="" id="{908A5EBB-DF0B-42E2-B819-2878A3E65962}"/>
+                <a16:creationId xmlns="" xmlns:a16="http://schemas.microsoft.com/office/drawing/2014/main" id="{908A5EBB-DF0B-42E2-B819-2878A3E65962}"/>
               </a:ext>
             </a:extLst>
           </p:cNvPr>
